--- a/presentation.pptx
+++ b/presentation.pptx
@@ -6446,8 +6446,8 @@
         </p:nvSpPr>
         <p:spPr>
           <a:xfrm>
-            <a:off x="6007610" y="1397264"/>
-            <a:ext cx="2749855" cy="769441"/>
+            <a:off x="6342638" y="1397264"/>
+            <a:ext cx="2414827" cy="769441"/>
           </a:xfrm>
           <a:prstGeom prst="rect">
             <a:avLst/>
@@ -6467,9 +6467,9 @@
                 </a:solidFill>
                 <a:latin typeface="Impact"/>
               </a:rPr>
-              <a:t>PART THREE</a:t>
-            </a:r>
-            <a:endParaRPr lang="zh-CN" altLang="en-US" sz="4400">
+              <a:t>PART Four</a:t>
+            </a:r>
+            <a:endParaRPr lang="zh-CN" altLang="en-US" sz="4400" dirty="0">
               <a:solidFill>
                 <a:schemeClr val="bg1"/>
               </a:solidFill>
@@ -12053,21 +12053,8 @@
                   <a:srgbClr val="95BC49"/>
                 </a:solidFill>
               </a:rPr>
-              <a:t>解决的问题以及</a:t>
-            </a:r>
-            <a:r>
-              <a:rPr lang="zh-CN" altLang="en-US" sz="1600" dirty="0">
-                <a:solidFill>
-                  <a:srgbClr val="95BC49"/>
-                </a:solidFill>
-              </a:rPr>
-              <a:t>目标用户</a:t>
-            </a:r>
-            <a:endParaRPr lang="zh-CN" altLang="en-US" sz="1600" dirty="0">
-              <a:solidFill>
-                <a:srgbClr val="95BC49"/>
-              </a:solidFill>
-            </a:endParaRPr>
+              <a:t>解决的问题以及目标用户</a:t>
+            </a:r>
           </a:p>
         </p:txBody>
       </p:sp>
@@ -12882,11 +12869,6 @@
               </a:rPr>
               <a:t>我们的平台是什么</a:t>
             </a:r>
-            <a:endParaRPr lang="zh-CN" altLang="en-US" sz="2400" dirty="0">
-              <a:solidFill>
-                <a:schemeClr val="bg1"/>
-              </a:solidFill>
-            </a:endParaRPr>
           </a:p>
         </p:txBody>
       </p:sp>
@@ -13498,15 +13480,6 @@
               </a:rPr>
               <a:t>等</a:t>
             </a:r>
-            <a:endParaRPr lang="zh-CN" altLang="en-US" sz="1100" dirty="0">
-              <a:solidFill>
-                <a:schemeClr val="tx1">
-                  <a:lumMod val="65000"/>
-                  <a:lumOff val="35000"/>
-                </a:schemeClr>
-              </a:solidFill>
-              <a:latin typeface="+mn-ea"/>
-            </a:endParaRPr>
           </a:p>
         </p:txBody>
       </p:sp>

--- a/presentation.pptx
+++ b/presentation.pptx
@@ -5,10 +5,10 @@
     <p:sldMasterId id="2147483648" r:id="rId1"/>
   </p:sldMasterIdLst>
   <p:notesMasterIdLst>
-    <p:notesMasterId r:id="rId18"/>
+    <p:notesMasterId r:id="rId15"/>
   </p:notesMasterIdLst>
   <p:handoutMasterIdLst>
-    <p:handoutMasterId r:id="rId19"/>
+    <p:handoutMasterId r:id="rId16"/>
   </p:handoutMasterIdLst>
   <p:sldIdLst>
     <p:sldId id="307" r:id="rId2"/>
@@ -23,10 +23,7 @@
     <p:sldId id="298" r:id="rId11"/>
     <p:sldId id="299" r:id="rId12"/>
     <p:sldId id="297" r:id="rId13"/>
-    <p:sldId id="300" r:id="rId14"/>
-    <p:sldId id="301" r:id="rId15"/>
-    <p:sldId id="302" r:id="rId16"/>
-    <p:sldId id="303" r:id="rId17"/>
+    <p:sldId id="302" r:id="rId14"/>
   </p:sldIdLst>
   <p:sldSz cx="9144000" cy="5143500" type="screen16x9"/>
   <p:notesSz cx="6858000" cy="9144000"/>
@@ -6446,8 +6443,8 @@
         </p:nvSpPr>
         <p:spPr>
           <a:xfrm>
-            <a:off x="6342638" y="1397264"/>
-            <a:ext cx="2414827" cy="769441"/>
+            <a:off x="6206381" y="1397264"/>
+            <a:ext cx="2551084" cy="769441"/>
           </a:xfrm>
           <a:prstGeom prst="rect">
             <a:avLst/>
@@ -6461,13 +6458,13 @@
           <a:p>
             <a:pPr lvl="0" algn="r"/>
             <a:r>
-              <a:rPr lang="en-US" altLang="zh-CN" sz="4400">
+              <a:rPr lang="en-US" altLang="zh-CN" sz="4400" dirty="0">
                 <a:solidFill>
                   <a:schemeClr val="bg1"/>
                 </a:solidFill>
                 <a:latin typeface="Impact"/>
               </a:rPr>
-              <a:t>PART Four</a:t>
+              <a:t>PART FOUR</a:t>
             </a:r>
             <a:endParaRPr lang="zh-CN" altLang="en-US" sz="4400" dirty="0">
               <a:solidFill>
@@ -6520,7 +6517,7 @@
         <p:spPr>
           <a:xfrm>
             <a:off x="476520" y="96475"/>
-            <a:ext cx="3870455" cy="400110"/>
+            <a:ext cx="3870455" cy="707886"/>
           </a:xfrm>
           <a:prstGeom prst="rect">
             <a:avLst/>
@@ -6534,7 +6531,7 @@
           <a:lstStyle/>
           <a:p>
             <a:r>
-              <a:rPr lang="en-US" altLang="zh-CN" sz="2000" dirty="0">
+              <a:rPr lang="zh-CN" altLang="en-US" sz="2000" dirty="0">
                 <a:solidFill>
                   <a:schemeClr val="tx1">
                     <a:lumMod val="85000"/>
@@ -6544,8 +6541,10 @@
                 <a:latin typeface="Impact" pitchFamily="34" charset="0"/>
                 <a:ea typeface="+mj-ea"/>
               </a:rPr>
-              <a:t>INPUT YOUR GOOD IDEAS HERE</a:t>
-            </a:r>
+              <a:t>开发过程分享</a:t>
+            </a:r>
+          </a:p>
+          <a:p>
             <a:endParaRPr lang="zh-CN" altLang="en-US" sz="2000" dirty="0">
               <a:solidFill>
                 <a:schemeClr val="tx1">
@@ -6581,7 +6580,7 @@
           <a:lstStyle/>
           <a:p>
             <a:r>
-              <a:rPr lang="en-US" altLang="zh-CN" sz="1000">
+              <a:rPr lang="zh-CN" altLang="en-US" sz="1000" dirty="0">
                 <a:solidFill>
                   <a:schemeClr val="tx1">
                     <a:lumMod val="50000"/>
@@ -6589,2022 +6588,10 @@
                   </a:schemeClr>
                 </a:solidFill>
               </a:rPr>
-              <a:t>Always believe that something wonderful is about to happen.</a:t>
-            </a:r>
-            <a:endParaRPr lang="zh-CN" altLang="en-US" sz="1000" dirty="0">
-              <a:solidFill>
-                <a:schemeClr val="tx1">
-                  <a:lumMod val="50000"/>
-                  <a:lumOff val="50000"/>
-                </a:schemeClr>
-              </a:solidFill>
-            </a:endParaRPr>
-          </a:p>
-        </p:txBody>
-      </p:sp>
-      <p:sp>
-        <p:nvSpPr>
-          <p:cNvPr id="28" name="五边形 27"/>
-          <p:cNvSpPr/>
-          <p:nvPr/>
-        </p:nvSpPr>
-        <p:spPr>
-          <a:xfrm>
-            <a:off x="611562" y="1131590"/>
-            <a:ext cx="7894223" cy="315035"/>
-          </a:xfrm>
-          <a:prstGeom prst="homePlate">
-            <a:avLst/>
-          </a:prstGeom>
-          <a:solidFill>
-            <a:srgbClr val="BF3420"/>
-          </a:solidFill>
-          <a:ln>
-            <a:noFill/>
-          </a:ln>
-        </p:spPr>
-        <p:style>
-          <a:lnRef idx="2">
-            <a:schemeClr val="accent1">
-              <a:shade val="50000"/>
-            </a:schemeClr>
-          </a:lnRef>
-          <a:fillRef idx="1">
-            <a:schemeClr val="accent1"/>
-          </a:fillRef>
-          <a:effectRef idx="0">
-            <a:schemeClr val="accent1"/>
-          </a:effectRef>
-          <a:fontRef idx="minor">
-            <a:schemeClr val="lt1"/>
-          </a:fontRef>
-        </p:style>
-        <p:txBody>
-          <a:bodyPr rtlCol="0" anchor="ctr"/>
-          <a:lstStyle/>
-          <a:p>
-            <a:r>
-              <a:rPr lang="en-US" altLang="zh-CN" sz="1600">
-                <a:latin typeface="+mj-lt"/>
-              </a:rPr>
-              <a:t>01</a:t>
-            </a:r>
-            <a:endParaRPr lang="zh-CN" altLang="en-US" sz="1600">
-              <a:latin typeface="+mj-lt"/>
-            </a:endParaRPr>
-          </a:p>
-        </p:txBody>
-      </p:sp>
-      <p:sp>
-        <p:nvSpPr>
-          <p:cNvPr id="29" name="五边形 28"/>
-          <p:cNvSpPr/>
-          <p:nvPr/>
-        </p:nvSpPr>
-        <p:spPr>
-          <a:xfrm>
-            <a:off x="2585117" y="1445851"/>
-            <a:ext cx="5920668" cy="315035"/>
-          </a:xfrm>
-          <a:prstGeom prst="homePlate">
-            <a:avLst/>
-          </a:prstGeom>
-          <a:solidFill>
-            <a:srgbClr val="FF0000"/>
-          </a:solidFill>
-          <a:ln>
-            <a:noFill/>
-          </a:ln>
-        </p:spPr>
-        <p:style>
-          <a:lnRef idx="2">
-            <a:schemeClr val="accent1">
-              <a:shade val="50000"/>
-            </a:schemeClr>
-          </a:lnRef>
-          <a:fillRef idx="1">
-            <a:schemeClr val="accent1"/>
-          </a:fillRef>
-          <a:effectRef idx="0">
-            <a:schemeClr val="accent1"/>
-          </a:effectRef>
-          <a:fontRef idx="minor">
-            <a:schemeClr val="lt1"/>
-          </a:fontRef>
-        </p:style>
-        <p:txBody>
-          <a:bodyPr rtlCol="0" anchor="ctr"/>
-          <a:lstStyle/>
-          <a:p>
-            <a:r>
-              <a:rPr lang="en-US" altLang="zh-CN" sz="1600">
-                <a:latin typeface="+mj-lt"/>
-              </a:rPr>
-              <a:t>02</a:t>
-            </a:r>
-            <a:endParaRPr lang="zh-CN" altLang="en-US" sz="1600">
-              <a:latin typeface="+mj-lt"/>
-            </a:endParaRPr>
-          </a:p>
-        </p:txBody>
-      </p:sp>
-      <p:sp>
-        <p:nvSpPr>
-          <p:cNvPr id="31" name="五边形 30"/>
-          <p:cNvSpPr/>
-          <p:nvPr/>
-        </p:nvSpPr>
-        <p:spPr>
-          <a:xfrm>
-            <a:off x="4558672" y="1760886"/>
-            <a:ext cx="3947111" cy="315035"/>
-          </a:xfrm>
-          <a:prstGeom prst="homePlate">
-            <a:avLst/>
-          </a:prstGeom>
-          <a:solidFill>
-            <a:srgbClr val="BF3420"/>
-          </a:solidFill>
-          <a:ln>
-            <a:noFill/>
-          </a:ln>
-        </p:spPr>
-        <p:style>
-          <a:lnRef idx="2">
-            <a:schemeClr val="accent1">
-              <a:shade val="50000"/>
-            </a:schemeClr>
-          </a:lnRef>
-          <a:fillRef idx="1">
-            <a:schemeClr val="accent1"/>
-          </a:fillRef>
-          <a:effectRef idx="0">
-            <a:schemeClr val="accent1"/>
-          </a:effectRef>
-          <a:fontRef idx="minor">
-            <a:schemeClr val="lt1"/>
-          </a:fontRef>
-        </p:style>
-        <p:txBody>
-          <a:bodyPr rtlCol="0" anchor="ctr"/>
-          <a:lstStyle/>
-          <a:p>
-            <a:r>
-              <a:rPr lang="en-US" altLang="zh-CN" sz="1600">
-                <a:latin typeface="+mj-lt"/>
-              </a:rPr>
-              <a:t>03</a:t>
-            </a:r>
-            <a:endParaRPr lang="zh-CN" altLang="en-US" sz="1600">
-              <a:latin typeface="+mj-lt"/>
-            </a:endParaRPr>
-          </a:p>
-        </p:txBody>
-      </p:sp>
-      <p:sp>
-        <p:nvSpPr>
-          <p:cNvPr id="33" name="五边形 32"/>
-          <p:cNvSpPr/>
-          <p:nvPr/>
-        </p:nvSpPr>
-        <p:spPr>
-          <a:xfrm>
-            <a:off x="6532228" y="2075920"/>
-            <a:ext cx="1973555" cy="315035"/>
-          </a:xfrm>
-          <a:prstGeom prst="homePlate">
-            <a:avLst/>
-          </a:prstGeom>
-          <a:solidFill>
-            <a:srgbClr val="FF0000"/>
-          </a:solidFill>
-          <a:ln>
-            <a:noFill/>
-          </a:ln>
-        </p:spPr>
-        <p:style>
-          <a:lnRef idx="2">
-            <a:schemeClr val="accent1">
-              <a:shade val="50000"/>
-            </a:schemeClr>
-          </a:lnRef>
-          <a:fillRef idx="1">
-            <a:schemeClr val="accent1"/>
-          </a:fillRef>
-          <a:effectRef idx="0">
-            <a:schemeClr val="accent1"/>
-          </a:effectRef>
-          <a:fontRef idx="minor">
-            <a:schemeClr val="lt1"/>
-          </a:fontRef>
-        </p:style>
-        <p:txBody>
-          <a:bodyPr rtlCol="0" anchor="ctr"/>
-          <a:lstStyle/>
-          <a:p>
-            <a:r>
-              <a:rPr lang="en-US" altLang="zh-CN" sz="1600">
-                <a:latin typeface="+mj-lt"/>
-              </a:rPr>
-              <a:t>04</a:t>
-            </a:r>
-            <a:endParaRPr lang="zh-CN" altLang="en-US" sz="1600">
-              <a:latin typeface="+mj-lt"/>
-            </a:endParaRPr>
-          </a:p>
-        </p:txBody>
-      </p:sp>
-      <p:sp>
-        <p:nvSpPr>
-          <p:cNvPr id="34" name="矩形 33"/>
-          <p:cNvSpPr/>
-          <p:nvPr/>
-        </p:nvSpPr>
-        <p:spPr>
-          <a:xfrm>
-            <a:off x="566556" y="2027770"/>
-            <a:ext cx="1890208" cy="1869743"/>
-          </a:xfrm>
-          <a:prstGeom prst="rect">
-            <a:avLst/>
-          </a:prstGeom>
-        </p:spPr>
-        <p:txBody>
-          <a:bodyPr wrap="square">
-            <a:spAutoFit/>
-          </a:bodyPr>
-          <a:lstStyle/>
-          <a:p>
-            <a:pPr>
-              <a:lnSpc>
-                <a:spcPct val="150000"/>
-              </a:lnSpc>
-            </a:pPr>
-            <a:r>
-              <a:rPr lang="en-US" altLang="zh-CN" sz="1100" err="1">
-                <a:solidFill>
-                  <a:schemeClr val="tx1">
-                    <a:lumMod val="65000"/>
-                    <a:lumOff val="35000"/>
-                  </a:schemeClr>
-                </a:solidFill>
-                <a:latin typeface="+mn-ea"/>
-              </a:rPr>
-              <a:t>Lorem</a:t>
-            </a:r>
-            <a:r>
-              <a:rPr lang="en-US" altLang="zh-CN" sz="1100">
-                <a:solidFill>
-                  <a:schemeClr val="tx1">
-                    <a:lumMod val="65000"/>
-                    <a:lumOff val="35000"/>
-                  </a:schemeClr>
-                </a:solidFill>
-                <a:latin typeface="+mn-ea"/>
-              </a:rPr>
-              <a:t> </a:t>
-            </a:r>
-            <a:r>
-              <a:rPr lang="en-US" altLang="zh-CN" sz="1100" err="1">
-                <a:solidFill>
-                  <a:schemeClr val="tx1">
-                    <a:lumMod val="65000"/>
-                    <a:lumOff val="35000"/>
-                  </a:schemeClr>
-                </a:solidFill>
-                <a:latin typeface="+mn-ea"/>
-              </a:rPr>
-              <a:t>Ipsum</a:t>
-            </a:r>
-            <a:r>
-              <a:rPr lang="en-US" altLang="zh-CN" sz="1100">
-                <a:solidFill>
-                  <a:schemeClr val="tx1">
-                    <a:lumMod val="65000"/>
-                    <a:lumOff val="35000"/>
-                  </a:schemeClr>
-                </a:solidFill>
-                <a:latin typeface="+mn-ea"/>
-              </a:rPr>
-              <a:t> Dolor Sit </a:t>
-            </a:r>
-            <a:r>
-              <a:rPr lang="en-US" altLang="zh-CN" sz="1100" err="1">
-                <a:solidFill>
-                  <a:schemeClr val="tx1">
-                    <a:lumMod val="65000"/>
-                    <a:lumOff val="35000"/>
-                  </a:schemeClr>
-                </a:solidFill>
-                <a:latin typeface="+mn-ea"/>
-              </a:rPr>
-              <a:t>Er</a:t>
-            </a:r>
-            <a:r>
-              <a:rPr lang="en-US" altLang="zh-CN" sz="1100">
-                <a:solidFill>
-                  <a:schemeClr val="tx1">
-                    <a:lumMod val="65000"/>
-                    <a:lumOff val="35000"/>
-                  </a:schemeClr>
-                </a:solidFill>
-                <a:latin typeface="+mn-ea"/>
-              </a:rPr>
-              <a:t> </a:t>
-            </a:r>
-            <a:r>
-              <a:rPr lang="en-US" altLang="zh-CN" sz="1100" err="1">
-                <a:solidFill>
-                  <a:schemeClr val="tx1">
-                    <a:lumMod val="65000"/>
-                    <a:lumOff val="35000"/>
-                  </a:schemeClr>
-                </a:solidFill>
-                <a:latin typeface="+mn-ea"/>
-              </a:rPr>
-              <a:t>Elit</a:t>
-            </a:r>
-            <a:r>
-              <a:rPr lang="en-US" altLang="zh-CN" sz="1100">
-                <a:solidFill>
-                  <a:schemeClr val="tx1">
-                    <a:lumMod val="65000"/>
-                    <a:lumOff val="35000"/>
-                  </a:schemeClr>
-                </a:solidFill>
-                <a:latin typeface="+mn-ea"/>
-              </a:rPr>
-              <a:t> </a:t>
-            </a:r>
-            <a:r>
-              <a:rPr lang="en-US" altLang="zh-CN" sz="1100" err="1">
-                <a:solidFill>
-                  <a:schemeClr val="tx1">
-                    <a:lumMod val="65000"/>
-                    <a:lumOff val="35000"/>
-                  </a:schemeClr>
-                </a:solidFill>
-                <a:latin typeface="+mn-ea"/>
-              </a:rPr>
-              <a:t>Lamet</a:t>
-            </a:r>
-            <a:r>
-              <a:rPr lang="en-US" altLang="zh-CN" sz="1100">
-                <a:solidFill>
-                  <a:schemeClr val="tx1">
-                    <a:lumMod val="65000"/>
-                    <a:lumOff val="35000"/>
-                  </a:schemeClr>
-                </a:solidFill>
-                <a:latin typeface="+mn-ea"/>
-              </a:rPr>
-              <a:t>, </a:t>
-            </a:r>
-            <a:r>
-              <a:rPr lang="en-US" altLang="zh-CN" sz="1100" err="1">
-                <a:solidFill>
-                  <a:schemeClr val="tx1">
-                    <a:lumMod val="65000"/>
-                    <a:lumOff val="35000"/>
-                  </a:schemeClr>
-                </a:solidFill>
-                <a:latin typeface="+mn-ea"/>
-              </a:rPr>
-              <a:t>Consectetaur</a:t>
-            </a:r>
-            <a:r>
-              <a:rPr lang="en-US" altLang="zh-CN" sz="1100">
-                <a:solidFill>
-                  <a:schemeClr val="tx1">
-                    <a:lumMod val="65000"/>
-                    <a:lumOff val="35000"/>
-                  </a:schemeClr>
-                </a:solidFill>
-                <a:latin typeface="+mn-ea"/>
-              </a:rPr>
-              <a:t> </a:t>
-            </a:r>
-            <a:r>
-              <a:rPr lang="en-US" altLang="zh-CN" sz="1100" err="1">
-                <a:solidFill>
-                  <a:schemeClr val="tx1">
-                    <a:lumMod val="65000"/>
-                    <a:lumOff val="35000"/>
-                  </a:schemeClr>
-                </a:solidFill>
-                <a:latin typeface="+mn-ea"/>
-              </a:rPr>
-              <a:t>Cillium</a:t>
-            </a:r>
-            <a:r>
-              <a:rPr lang="en-US" altLang="zh-CN" sz="1100">
-                <a:solidFill>
-                  <a:schemeClr val="tx1">
-                    <a:lumMod val="65000"/>
-                    <a:lumOff val="35000"/>
-                  </a:schemeClr>
-                </a:solidFill>
-                <a:latin typeface="+mn-ea"/>
-              </a:rPr>
-              <a:t> </a:t>
-            </a:r>
-            <a:r>
-              <a:rPr lang="en-US" altLang="zh-CN" sz="1100" err="1">
-                <a:solidFill>
-                  <a:schemeClr val="tx1">
-                    <a:lumMod val="65000"/>
-                    <a:lumOff val="35000"/>
-                  </a:schemeClr>
-                </a:solidFill>
-                <a:latin typeface="+mn-ea"/>
-              </a:rPr>
-              <a:t>Adipisicing</a:t>
-            </a:r>
-            <a:r>
-              <a:rPr lang="en-US" altLang="zh-CN" sz="1100">
-                <a:solidFill>
-                  <a:schemeClr val="tx1">
-                    <a:lumMod val="65000"/>
-                    <a:lumOff val="35000"/>
-                  </a:schemeClr>
-                </a:solidFill>
-                <a:latin typeface="+mn-ea"/>
-              </a:rPr>
-              <a:t> </a:t>
-            </a:r>
-            <a:r>
-              <a:rPr lang="en-US" altLang="zh-CN" sz="1100" err="1">
-                <a:solidFill>
-                  <a:schemeClr val="tx1">
-                    <a:lumMod val="65000"/>
-                    <a:lumOff val="35000"/>
-                  </a:schemeClr>
-                </a:solidFill>
-                <a:latin typeface="+mn-ea"/>
-              </a:rPr>
-              <a:t>Pecu</a:t>
-            </a:r>
-            <a:r>
-              <a:rPr lang="en-US" altLang="zh-CN" sz="1100">
-                <a:solidFill>
-                  <a:schemeClr val="tx1">
-                    <a:lumMod val="65000"/>
-                    <a:lumOff val="35000"/>
-                  </a:schemeClr>
-                </a:solidFill>
-                <a:latin typeface="+mn-ea"/>
-              </a:rPr>
-              <a:t>, </a:t>
-            </a:r>
-            <a:r>
-              <a:rPr lang="en-US" altLang="zh-CN" sz="1100" err="1">
-                <a:solidFill>
-                  <a:schemeClr val="tx1">
-                    <a:lumMod val="65000"/>
-                    <a:lumOff val="35000"/>
-                  </a:schemeClr>
-                </a:solidFill>
-                <a:latin typeface="+mn-ea"/>
-              </a:rPr>
-              <a:t>Sed</a:t>
-            </a:r>
-            <a:r>
-              <a:rPr lang="en-US" altLang="zh-CN" sz="1100">
-                <a:solidFill>
-                  <a:schemeClr val="tx1">
-                    <a:lumMod val="65000"/>
-                    <a:lumOff val="35000"/>
-                  </a:schemeClr>
-                </a:solidFill>
-                <a:latin typeface="+mn-ea"/>
-              </a:rPr>
-              <a:t> Do </a:t>
-            </a:r>
-            <a:r>
-              <a:rPr lang="en-US" altLang="zh-CN" sz="1100" err="1">
-                <a:solidFill>
-                  <a:schemeClr val="tx1">
-                    <a:lumMod val="65000"/>
-                    <a:lumOff val="35000"/>
-                  </a:schemeClr>
-                </a:solidFill>
-                <a:latin typeface="+mn-ea"/>
-              </a:rPr>
-              <a:t>Eiusmod</a:t>
-            </a:r>
-            <a:r>
-              <a:rPr lang="en-US" altLang="zh-CN" sz="1100">
-                <a:solidFill>
-                  <a:schemeClr val="tx1">
-                    <a:lumMod val="65000"/>
-                    <a:lumOff val="35000"/>
-                  </a:schemeClr>
-                </a:solidFill>
-                <a:latin typeface="+mn-ea"/>
-              </a:rPr>
-              <a:t> </a:t>
-            </a:r>
-            <a:r>
-              <a:rPr lang="en-US" altLang="zh-CN" sz="1100" err="1">
-                <a:solidFill>
-                  <a:schemeClr val="tx1">
-                    <a:lumMod val="65000"/>
-                    <a:lumOff val="35000"/>
-                  </a:schemeClr>
-                </a:solidFill>
-                <a:latin typeface="+mn-ea"/>
-              </a:rPr>
-              <a:t>Tempor</a:t>
-            </a:r>
-            <a:r>
-              <a:rPr lang="en-US" altLang="zh-CN" sz="1100">
-                <a:solidFill>
-                  <a:schemeClr val="tx1">
-                    <a:lumMod val="65000"/>
-                    <a:lumOff val="35000"/>
-                  </a:schemeClr>
-                </a:solidFill>
-                <a:latin typeface="+mn-ea"/>
-              </a:rPr>
-              <a:t> </a:t>
-            </a:r>
-            <a:r>
-              <a:rPr lang="en-US" altLang="zh-CN" sz="1100" err="1">
-                <a:solidFill>
-                  <a:schemeClr val="tx1">
-                    <a:lumMod val="65000"/>
-                    <a:lumOff val="35000"/>
-                  </a:schemeClr>
-                </a:solidFill>
-                <a:latin typeface="+mn-ea"/>
-              </a:rPr>
-              <a:t>Incididunt</a:t>
-            </a:r>
-            <a:r>
-              <a:rPr lang="en-US" altLang="zh-CN" sz="1100">
-                <a:solidFill>
-                  <a:schemeClr val="tx1">
-                    <a:lumMod val="65000"/>
-                    <a:lumOff val="35000"/>
-                  </a:schemeClr>
-                </a:solidFill>
-                <a:latin typeface="+mn-ea"/>
-              </a:rPr>
-              <a:t> </a:t>
-            </a:r>
-            <a:r>
-              <a:rPr lang="en-US" altLang="zh-CN" sz="1100" err="1">
-                <a:solidFill>
-                  <a:schemeClr val="tx1">
-                    <a:lumMod val="65000"/>
-                    <a:lumOff val="35000"/>
-                  </a:schemeClr>
-                </a:solidFill>
-                <a:latin typeface="+mn-ea"/>
-              </a:rPr>
-              <a:t>Ut</a:t>
-            </a:r>
-            <a:r>
-              <a:rPr lang="en-US" altLang="zh-CN" sz="1100">
-                <a:solidFill>
-                  <a:schemeClr val="tx1">
-                    <a:lumMod val="65000"/>
-                    <a:lumOff val="35000"/>
-                  </a:schemeClr>
-                </a:solidFill>
-                <a:latin typeface="+mn-ea"/>
-              </a:rPr>
-              <a:t> Cillium Adipisicing Pecu, Sed Do Eiusmod Tempor.</a:t>
-            </a:r>
-            <a:endParaRPr lang="zh-CN" altLang="en-US" sz="1100">
-              <a:solidFill>
-                <a:schemeClr val="tx1">
-                  <a:lumMod val="65000"/>
-                  <a:lumOff val="35000"/>
-                </a:schemeClr>
-              </a:solidFill>
-              <a:latin typeface="+mn-ea"/>
-            </a:endParaRPr>
-          </a:p>
-        </p:txBody>
-      </p:sp>
-      <p:sp>
-        <p:nvSpPr>
-          <p:cNvPr id="36" name="矩形 35"/>
-          <p:cNvSpPr/>
-          <p:nvPr/>
-        </p:nvSpPr>
-        <p:spPr>
-          <a:xfrm>
-            <a:off x="566555" y="1633903"/>
-            <a:ext cx="1890208" cy="307777"/>
-          </a:xfrm>
-          <a:prstGeom prst="rect">
-            <a:avLst/>
-          </a:prstGeom>
-        </p:spPr>
-        <p:txBody>
-          <a:bodyPr wrap="square">
-            <a:spAutoFit/>
-          </a:bodyPr>
-          <a:lstStyle/>
-          <a:p>
-            <a:pPr lvl="0"/>
-            <a:r>
-              <a:rPr lang="en-US" altLang="zh-CN" sz="1400" b="1">
-                <a:solidFill>
-                  <a:srgbClr val="BF3420"/>
-                </a:solidFill>
-              </a:rPr>
-              <a:t>Lorem Ipsum Dolor </a:t>
-            </a:r>
-            <a:endParaRPr lang="zh-CN" altLang="en-US" sz="1400" b="1">
-              <a:solidFill>
-                <a:srgbClr val="BF3420"/>
-              </a:solidFill>
-            </a:endParaRPr>
-          </a:p>
-        </p:txBody>
-      </p:sp>
-      <p:sp>
-        <p:nvSpPr>
-          <p:cNvPr id="38" name="矩形 37"/>
-          <p:cNvSpPr/>
-          <p:nvPr/>
-        </p:nvSpPr>
-        <p:spPr>
-          <a:xfrm>
-            <a:off x="4572002" y="2535602"/>
-            <a:ext cx="1890208" cy="1361911"/>
-          </a:xfrm>
-          <a:prstGeom prst="rect">
-            <a:avLst/>
-          </a:prstGeom>
-        </p:spPr>
-        <p:txBody>
-          <a:bodyPr wrap="square">
-            <a:spAutoFit/>
-          </a:bodyPr>
-          <a:lstStyle/>
-          <a:p>
-            <a:pPr>
-              <a:lnSpc>
-                <a:spcPct val="150000"/>
-              </a:lnSpc>
-            </a:pPr>
-            <a:r>
-              <a:rPr lang="en-US" altLang="zh-CN" sz="1100" err="1">
-                <a:solidFill>
-                  <a:schemeClr val="tx1">
-                    <a:lumMod val="65000"/>
-                    <a:lumOff val="35000"/>
-                  </a:schemeClr>
-                </a:solidFill>
-                <a:latin typeface="+mn-ea"/>
-              </a:rPr>
-              <a:t>Lorem</a:t>
-            </a:r>
-            <a:r>
-              <a:rPr lang="en-US" altLang="zh-CN" sz="1100">
-                <a:solidFill>
-                  <a:schemeClr val="tx1">
-                    <a:lumMod val="65000"/>
-                    <a:lumOff val="35000"/>
-                  </a:schemeClr>
-                </a:solidFill>
-                <a:latin typeface="+mn-ea"/>
-              </a:rPr>
-              <a:t> </a:t>
-            </a:r>
-            <a:r>
-              <a:rPr lang="en-US" altLang="zh-CN" sz="1100" err="1">
-                <a:solidFill>
-                  <a:schemeClr val="tx1">
-                    <a:lumMod val="65000"/>
-                    <a:lumOff val="35000"/>
-                  </a:schemeClr>
-                </a:solidFill>
-                <a:latin typeface="+mn-ea"/>
-              </a:rPr>
-              <a:t>Ipsum</a:t>
-            </a:r>
-            <a:r>
-              <a:rPr lang="en-US" altLang="zh-CN" sz="1100">
-                <a:solidFill>
-                  <a:schemeClr val="tx1">
-                    <a:lumMod val="65000"/>
-                    <a:lumOff val="35000"/>
-                  </a:schemeClr>
-                </a:solidFill>
-                <a:latin typeface="+mn-ea"/>
-              </a:rPr>
-              <a:t> Dolor Sit </a:t>
-            </a:r>
-            <a:r>
-              <a:rPr lang="en-US" altLang="zh-CN" sz="1100" err="1">
-                <a:solidFill>
-                  <a:schemeClr val="tx1">
-                    <a:lumMod val="65000"/>
-                    <a:lumOff val="35000"/>
-                  </a:schemeClr>
-                </a:solidFill>
-                <a:latin typeface="+mn-ea"/>
-              </a:rPr>
-              <a:t>Er</a:t>
-            </a:r>
-            <a:r>
-              <a:rPr lang="en-US" altLang="zh-CN" sz="1100">
-                <a:solidFill>
-                  <a:schemeClr val="tx1">
-                    <a:lumMod val="65000"/>
-                    <a:lumOff val="35000"/>
-                  </a:schemeClr>
-                </a:solidFill>
-                <a:latin typeface="+mn-ea"/>
-              </a:rPr>
-              <a:t> </a:t>
-            </a:r>
-            <a:r>
-              <a:rPr lang="en-US" altLang="zh-CN" sz="1100" err="1">
-                <a:solidFill>
-                  <a:schemeClr val="tx1">
-                    <a:lumMod val="65000"/>
-                    <a:lumOff val="35000"/>
-                  </a:schemeClr>
-                </a:solidFill>
-                <a:latin typeface="+mn-ea"/>
-              </a:rPr>
-              <a:t>Elit</a:t>
-            </a:r>
-            <a:r>
-              <a:rPr lang="en-US" altLang="zh-CN" sz="1100">
-                <a:solidFill>
-                  <a:schemeClr val="tx1">
-                    <a:lumMod val="65000"/>
-                    <a:lumOff val="35000"/>
-                  </a:schemeClr>
-                </a:solidFill>
-                <a:latin typeface="+mn-ea"/>
-              </a:rPr>
-              <a:t> </a:t>
-            </a:r>
-            <a:r>
-              <a:rPr lang="en-US" altLang="zh-CN" sz="1100" err="1">
-                <a:solidFill>
-                  <a:schemeClr val="tx1">
-                    <a:lumMod val="65000"/>
-                    <a:lumOff val="35000"/>
-                  </a:schemeClr>
-                </a:solidFill>
-                <a:latin typeface="+mn-ea"/>
-              </a:rPr>
-              <a:t>Lamet</a:t>
-            </a:r>
-            <a:r>
-              <a:rPr lang="en-US" altLang="zh-CN" sz="1100">
-                <a:solidFill>
-                  <a:schemeClr val="tx1">
-                    <a:lumMod val="65000"/>
-                    <a:lumOff val="35000"/>
-                  </a:schemeClr>
-                </a:solidFill>
-                <a:latin typeface="+mn-ea"/>
-              </a:rPr>
-              <a:t>, </a:t>
-            </a:r>
-            <a:r>
-              <a:rPr lang="en-US" altLang="zh-CN" sz="1100" err="1">
-                <a:solidFill>
-                  <a:schemeClr val="tx1">
-                    <a:lumMod val="65000"/>
-                    <a:lumOff val="35000"/>
-                  </a:schemeClr>
-                </a:solidFill>
-                <a:latin typeface="+mn-ea"/>
-              </a:rPr>
-              <a:t>Consectetaur</a:t>
-            </a:r>
-            <a:r>
-              <a:rPr lang="en-US" altLang="zh-CN" sz="1100">
-                <a:solidFill>
-                  <a:schemeClr val="tx1">
-                    <a:lumMod val="65000"/>
-                    <a:lumOff val="35000"/>
-                  </a:schemeClr>
-                </a:solidFill>
-                <a:latin typeface="+mn-ea"/>
-              </a:rPr>
-              <a:t> </a:t>
-            </a:r>
-            <a:r>
-              <a:rPr lang="en-US" altLang="zh-CN" sz="1100" err="1">
-                <a:solidFill>
-                  <a:schemeClr val="tx1">
-                    <a:lumMod val="65000"/>
-                    <a:lumOff val="35000"/>
-                  </a:schemeClr>
-                </a:solidFill>
-                <a:latin typeface="+mn-ea"/>
-              </a:rPr>
-              <a:t>Cillium</a:t>
-            </a:r>
-            <a:r>
-              <a:rPr lang="en-US" altLang="zh-CN" sz="1100">
-                <a:solidFill>
-                  <a:schemeClr val="tx1">
-                    <a:lumMod val="65000"/>
-                    <a:lumOff val="35000"/>
-                  </a:schemeClr>
-                </a:solidFill>
-                <a:latin typeface="+mn-ea"/>
-              </a:rPr>
-              <a:t> </a:t>
-            </a:r>
-            <a:r>
-              <a:rPr lang="en-US" altLang="zh-CN" sz="1100" err="1">
-                <a:solidFill>
-                  <a:schemeClr val="tx1">
-                    <a:lumMod val="65000"/>
-                    <a:lumOff val="35000"/>
-                  </a:schemeClr>
-                </a:solidFill>
-                <a:latin typeface="+mn-ea"/>
-              </a:rPr>
-              <a:t>Adipisicing</a:t>
-            </a:r>
-            <a:r>
-              <a:rPr lang="en-US" altLang="zh-CN" sz="1100">
-                <a:solidFill>
-                  <a:schemeClr val="tx1">
-                    <a:lumMod val="65000"/>
-                    <a:lumOff val="35000"/>
-                  </a:schemeClr>
-                </a:solidFill>
-                <a:latin typeface="+mn-ea"/>
-              </a:rPr>
-              <a:t> </a:t>
-            </a:r>
-            <a:r>
-              <a:rPr lang="en-US" altLang="zh-CN" sz="1100" err="1">
-                <a:solidFill>
-                  <a:schemeClr val="tx1">
-                    <a:lumMod val="65000"/>
-                    <a:lumOff val="35000"/>
-                  </a:schemeClr>
-                </a:solidFill>
-                <a:latin typeface="+mn-ea"/>
-              </a:rPr>
-              <a:t>Pecu</a:t>
-            </a:r>
-            <a:r>
-              <a:rPr lang="en-US" altLang="zh-CN" sz="1100">
-                <a:solidFill>
-                  <a:schemeClr val="tx1">
-                    <a:lumMod val="65000"/>
-                    <a:lumOff val="35000"/>
-                  </a:schemeClr>
-                </a:solidFill>
-                <a:latin typeface="+mn-ea"/>
-              </a:rPr>
-              <a:t>, </a:t>
-            </a:r>
-            <a:r>
-              <a:rPr lang="en-US" altLang="zh-CN" sz="1100" err="1">
-                <a:solidFill>
-                  <a:schemeClr val="tx1">
-                    <a:lumMod val="65000"/>
-                    <a:lumOff val="35000"/>
-                  </a:schemeClr>
-                </a:solidFill>
-                <a:latin typeface="+mn-ea"/>
-              </a:rPr>
-              <a:t>Sed</a:t>
-            </a:r>
-            <a:r>
-              <a:rPr lang="en-US" altLang="zh-CN" sz="1100">
-                <a:solidFill>
-                  <a:schemeClr val="tx1">
-                    <a:lumMod val="65000"/>
-                    <a:lumOff val="35000"/>
-                  </a:schemeClr>
-                </a:solidFill>
-                <a:latin typeface="+mn-ea"/>
-              </a:rPr>
-              <a:t> Do </a:t>
-            </a:r>
-            <a:r>
-              <a:rPr lang="en-US" altLang="zh-CN" sz="1100" err="1">
-                <a:solidFill>
-                  <a:schemeClr val="tx1">
-                    <a:lumMod val="65000"/>
-                    <a:lumOff val="35000"/>
-                  </a:schemeClr>
-                </a:solidFill>
-                <a:latin typeface="+mn-ea"/>
-              </a:rPr>
-              <a:t>Eiusmod</a:t>
-            </a:r>
-            <a:r>
-              <a:rPr lang="en-US" altLang="zh-CN" sz="1100">
-                <a:solidFill>
-                  <a:schemeClr val="tx1">
-                    <a:lumMod val="65000"/>
-                    <a:lumOff val="35000"/>
-                  </a:schemeClr>
-                </a:solidFill>
-                <a:latin typeface="+mn-ea"/>
-              </a:rPr>
-              <a:t> </a:t>
-            </a:r>
-            <a:r>
-              <a:rPr lang="en-US" altLang="zh-CN" sz="1100" err="1">
-                <a:solidFill>
-                  <a:schemeClr val="tx1">
-                    <a:lumMod val="65000"/>
-                    <a:lumOff val="35000"/>
-                  </a:schemeClr>
-                </a:solidFill>
-                <a:latin typeface="+mn-ea"/>
-              </a:rPr>
-              <a:t>Tempor</a:t>
-            </a:r>
-            <a:r>
-              <a:rPr lang="en-US" altLang="zh-CN" sz="1100">
-                <a:solidFill>
-                  <a:schemeClr val="tx1">
-                    <a:lumMod val="65000"/>
-                    <a:lumOff val="35000"/>
-                  </a:schemeClr>
-                </a:solidFill>
-                <a:latin typeface="+mn-ea"/>
-              </a:rPr>
-              <a:t> </a:t>
-            </a:r>
-            <a:r>
-              <a:rPr lang="en-US" altLang="zh-CN" sz="1100" err="1">
-                <a:solidFill>
-                  <a:schemeClr val="tx1">
-                    <a:lumMod val="65000"/>
-                    <a:lumOff val="35000"/>
-                  </a:schemeClr>
-                </a:solidFill>
-                <a:latin typeface="+mn-ea"/>
-              </a:rPr>
-              <a:t>Incididunt</a:t>
-            </a:r>
-            <a:r>
-              <a:rPr lang="en-US" altLang="zh-CN" sz="1100">
-                <a:solidFill>
-                  <a:schemeClr val="tx1">
-                    <a:lumMod val="65000"/>
-                    <a:lumOff val="35000"/>
-                  </a:schemeClr>
-                </a:solidFill>
-                <a:latin typeface="+mn-ea"/>
-              </a:rPr>
-              <a:t> </a:t>
-            </a:r>
-            <a:r>
-              <a:rPr lang="en-US" altLang="zh-CN" sz="1100" err="1">
-                <a:solidFill>
-                  <a:schemeClr val="tx1">
-                    <a:lumMod val="65000"/>
-                    <a:lumOff val="35000"/>
-                  </a:schemeClr>
-                </a:solidFill>
-                <a:latin typeface="+mn-ea"/>
-              </a:rPr>
-              <a:t>Ut</a:t>
-            </a:r>
-            <a:r>
-              <a:rPr lang="en-US" altLang="zh-CN" sz="1100">
-                <a:solidFill>
-                  <a:schemeClr val="tx1">
-                    <a:lumMod val="65000"/>
-                    <a:lumOff val="35000"/>
-                  </a:schemeClr>
-                </a:solidFill>
-                <a:latin typeface="+mn-ea"/>
-              </a:rPr>
-              <a:t> Cillium.</a:t>
-            </a:r>
-            <a:endParaRPr lang="zh-CN" altLang="en-US" sz="1100">
-              <a:solidFill>
-                <a:schemeClr val="tx1">
-                  <a:lumMod val="65000"/>
-                  <a:lumOff val="35000"/>
-                </a:schemeClr>
-              </a:solidFill>
-              <a:latin typeface="+mn-ea"/>
-            </a:endParaRPr>
-          </a:p>
-        </p:txBody>
-      </p:sp>
-      <p:sp>
-        <p:nvSpPr>
-          <p:cNvPr id="39" name="矩形 38"/>
-          <p:cNvSpPr/>
-          <p:nvPr/>
-        </p:nvSpPr>
-        <p:spPr>
-          <a:xfrm>
-            <a:off x="4572001" y="2211710"/>
-            <a:ext cx="1890208" cy="307777"/>
-          </a:xfrm>
-          <a:prstGeom prst="rect">
-            <a:avLst/>
-          </a:prstGeom>
-        </p:spPr>
-        <p:txBody>
-          <a:bodyPr wrap="square">
-            <a:spAutoFit/>
-          </a:bodyPr>
-          <a:lstStyle/>
-          <a:p>
-            <a:pPr lvl="0"/>
-            <a:r>
-              <a:rPr lang="en-US" altLang="zh-CN" sz="1400" b="1">
-                <a:solidFill>
-                  <a:srgbClr val="BF3420"/>
-                </a:solidFill>
-              </a:rPr>
-              <a:t>Lorem Ipsum Dolor </a:t>
-            </a:r>
-            <a:endParaRPr lang="zh-CN" altLang="en-US" sz="1400" b="1">
-              <a:solidFill>
-                <a:srgbClr val="BF3420"/>
-              </a:solidFill>
-            </a:endParaRPr>
-          </a:p>
-        </p:txBody>
-      </p:sp>
-      <p:sp>
-        <p:nvSpPr>
-          <p:cNvPr id="40" name="矩形 39"/>
-          <p:cNvSpPr/>
-          <p:nvPr/>
-        </p:nvSpPr>
-        <p:spPr>
-          <a:xfrm>
-            <a:off x="2546777" y="2281686"/>
-            <a:ext cx="1890208" cy="1615827"/>
-          </a:xfrm>
-          <a:prstGeom prst="rect">
-            <a:avLst/>
-          </a:prstGeom>
-        </p:spPr>
-        <p:txBody>
-          <a:bodyPr wrap="square">
-            <a:spAutoFit/>
-          </a:bodyPr>
-          <a:lstStyle/>
-          <a:p>
-            <a:pPr>
-              <a:lnSpc>
-                <a:spcPct val="150000"/>
-              </a:lnSpc>
-            </a:pPr>
-            <a:r>
-              <a:rPr lang="en-US" altLang="zh-CN" sz="1100" err="1">
-                <a:solidFill>
-                  <a:schemeClr val="tx1">
-                    <a:lumMod val="65000"/>
-                    <a:lumOff val="35000"/>
-                  </a:schemeClr>
-                </a:solidFill>
-                <a:latin typeface="+mn-ea"/>
-              </a:rPr>
-              <a:t>Lorem</a:t>
-            </a:r>
-            <a:r>
-              <a:rPr lang="en-US" altLang="zh-CN" sz="1100">
-                <a:solidFill>
-                  <a:schemeClr val="tx1">
-                    <a:lumMod val="65000"/>
-                    <a:lumOff val="35000"/>
-                  </a:schemeClr>
-                </a:solidFill>
-                <a:latin typeface="+mn-ea"/>
-              </a:rPr>
-              <a:t> </a:t>
-            </a:r>
-            <a:r>
-              <a:rPr lang="en-US" altLang="zh-CN" sz="1100" err="1">
-                <a:solidFill>
-                  <a:schemeClr val="tx1">
-                    <a:lumMod val="65000"/>
-                    <a:lumOff val="35000"/>
-                  </a:schemeClr>
-                </a:solidFill>
-                <a:latin typeface="+mn-ea"/>
-              </a:rPr>
-              <a:t>Ipsum</a:t>
-            </a:r>
-            <a:r>
-              <a:rPr lang="en-US" altLang="zh-CN" sz="1100">
-                <a:solidFill>
-                  <a:schemeClr val="tx1">
-                    <a:lumMod val="65000"/>
-                    <a:lumOff val="35000"/>
-                  </a:schemeClr>
-                </a:solidFill>
-                <a:latin typeface="+mn-ea"/>
-              </a:rPr>
-              <a:t> Dolor Sit </a:t>
-            </a:r>
-            <a:r>
-              <a:rPr lang="en-US" altLang="zh-CN" sz="1100" err="1">
-                <a:solidFill>
-                  <a:schemeClr val="tx1">
-                    <a:lumMod val="65000"/>
-                    <a:lumOff val="35000"/>
-                  </a:schemeClr>
-                </a:solidFill>
-                <a:latin typeface="+mn-ea"/>
-              </a:rPr>
-              <a:t>Er</a:t>
-            </a:r>
-            <a:r>
-              <a:rPr lang="en-US" altLang="zh-CN" sz="1100">
-                <a:solidFill>
-                  <a:schemeClr val="tx1">
-                    <a:lumMod val="65000"/>
-                    <a:lumOff val="35000"/>
-                  </a:schemeClr>
-                </a:solidFill>
-                <a:latin typeface="+mn-ea"/>
-              </a:rPr>
-              <a:t> </a:t>
-            </a:r>
-            <a:r>
-              <a:rPr lang="en-US" altLang="zh-CN" sz="1100" err="1">
-                <a:solidFill>
-                  <a:schemeClr val="tx1">
-                    <a:lumMod val="65000"/>
-                    <a:lumOff val="35000"/>
-                  </a:schemeClr>
-                </a:solidFill>
-                <a:latin typeface="+mn-ea"/>
-              </a:rPr>
-              <a:t>Elit</a:t>
-            </a:r>
-            <a:r>
-              <a:rPr lang="en-US" altLang="zh-CN" sz="1100">
-                <a:solidFill>
-                  <a:schemeClr val="tx1">
-                    <a:lumMod val="65000"/>
-                    <a:lumOff val="35000"/>
-                  </a:schemeClr>
-                </a:solidFill>
-                <a:latin typeface="+mn-ea"/>
-              </a:rPr>
-              <a:t> </a:t>
-            </a:r>
-            <a:r>
-              <a:rPr lang="en-US" altLang="zh-CN" sz="1100" err="1">
-                <a:solidFill>
-                  <a:schemeClr val="tx1">
-                    <a:lumMod val="65000"/>
-                    <a:lumOff val="35000"/>
-                  </a:schemeClr>
-                </a:solidFill>
-                <a:latin typeface="+mn-ea"/>
-              </a:rPr>
-              <a:t>Lamet</a:t>
-            </a:r>
-            <a:r>
-              <a:rPr lang="en-US" altLang="zh-CN" sz="1100">
-                <a:solidFill>
-                  <a:schemeClr val="tx1">
-                    <a:lumMod val="65000"/>
-                    <a:lumOff val="35000"/>
-                  </a:schemeClr>
-                </a:solidFill>
-                <a:latin typeface="+mn-ea"/>
-              </a:rPr>
-              <a:t>, </a:t>
-            </a:r>
-            <a:r>
-              <a:rPr lang="en-US" altLang="zh-CN" sz="1100" err="1">
-                <a:solidFill>
-                  <a:schemeClr val="tx1">
-                    <a:lumMod val="65000"/>
-                    <a:lumOff val="35000"/>
-                  </a:schemeClr>
-                </a:solidFill>
-                <a:latin typeface="+mn-ea"/>
-              </a:rPr>
-              <a:t>Consectetaur</a:t>
-            </a:r>
-            <a:r>
-              <a:rPr lang="en-US" altLang="zh-CN" sz="1100">
-                <a:solidFill>
-                  <a:schemeClr val="tx1">
-                    <a:lumMod val="65000"/>
-                    <a:lumOff val="35000"/>
-                  </a:schemeClr>
-                </a:solidFill>
-                <a:latin typeface="+mn-ea"/>
-              </a:rPr>
-              <a:t> </a:t>
-            </a:r>
-            <a:r>
-              <a:rPr lang="en-US" altLang="zh-CN" sz="1100" err="1">
-                <a:solidFill>
-                  <a:schemeClr val="tx1">
-                    <a:lumMod val="65000"/>
-                    <a:lumOff val="35000"/>
-                  </a:schemeClr>
-                </a:solidFill>
-                <a:latin typeface="+mn-ea"/>
-              </a:rPr>
-              <a:t>Cillium</a:t>
-            </a:r>
-            <a:r>
-              <a:rPr lang="en-US" altLang="zh-CN" sz="1100">
-                <a:solidFill>
-                  <a:schemeClr val="tx1">
-                    <a:lumMod val="65000"/>
-                    <a:lumOff val="35000"/>
-                  </a:schemeClr>
-                </a:solidFill>
-                <a:latin typeface="+mn-ea"/>
-              </a:rPr>
-              <a:t> </a:t>
-            </a:r>
-            <a:r>
-              <a:rPr lang="en-US" altLang="zh-CN" sz="1100" err="1">
-                <a:solidFill>
-                  <a:schemeClr val="tx1">
-                    <a:lumMod val="65000"/>
-                    <a:lumOff val="35000"/>
-                  </a:schemeClr>
-                </a:solidFill>
-                <a:latin typeface="+mn-ea"/>
-              </a:rPr>
-              <a:t>Adipisicing</a:t>
-            </a:r>
-            <a:r>
-              <a:rPr lang="en-US" altLang="zh-CN" sz="1100">
-                <a:solidFill>
-                  <a:schemeClr val="tx1">
-                    <a:lumMod val="65000"/>
-                    <a:lumOff val="35000"/>
-                  </a:schemeClr>
-                </a:solidFill>
-                <a:latin typeface="+mn-ea"/>
-              </a:rPr>
-              <a:t> </a:t>
-            </a:r>
-            <a:r>
-              <a:rPr lang="en-US" altLang="zh-CN" sz="1100" err="1">
-                <a:solidFill>
-                  <a:schemeClr val="tx1">
-                    <a:lumMod val="65000"/>
-                    <a:lumOff val="35000"/>
-                  </a:schemeClr>
-                </a:solidFill>
-                <a:latin typeface="+mn-ea"/>
-              </a:rPr>
-              <a:t>Pecu</a:t>
-            </a:r>
-            <a:r>
-              <a:rPr lang="en-US" altLang="zh-CN" sz="1100">
-                <a:solidFill>
-                  <a:schemeClr val="tx1">
-                    <a:lumMod val="65000"/>
-                    <a:lumOff val="35000"/>
-                  </a:schemeClr>
-                </a:solidFill>
-                <a:latin typeface="+mn-ea"/>
-              </a:rPr>
-              <a:t>, </a:t>
-            </a:r>
-            <a:r>
-              <a:rPr lang="en-US" altLang="zh-CN" sz="1100" err="1">
-                <a:solidFill>
-                  <a:schemeClr val="tx1">
-                    <a:lumMod val="65000"/>
-                    <a:lumOff val="35000"/>
-                  </a:schemeClr>
-                </a:solidFill>
-                <a:latin typeface="+mn-ea"/>
-              </a:rPr>
-              <a:t>Sed</a:t>
-            </a:r>
-            <a:r>
-              <a:rPr lang="en-US" altLang="zh-CN" sz="1100">
-                <a:solidFill>
-                  <a:schemeClr val="tx1">
-                    <a:lumMod val="65000"/>
-                    <a:lumOff val="35000"/>
-                  </a:schemeClr>
-                </a:solidFill>
-                <a:latin typeface="+mn-ea"/>
-              </a:rPr>
-              <a:t> Do </a:t>
-            </a:r>
-            <a:r>
-              <a:rPr lang="en-US" altLang="zh-CN" sz="1100" err="1">
-                <a:solidFill>
-                  <a:schemeClr val="tx1">
-                    <a:lumMod val="65000"/>
-                    <a:lumOff val="35000"/>
-                  </a:schemeClr>
-                </a:solidFill>
-                <a:latin typeface="+mn-ea"/>
-              </a:rPr>
-              <a:t>Eiusmod</a:t>
-            </a:r>
-            <a:r>
-              <a:rPr lang="en-US" altLang="zh-CN" sz="1100">
-                <a:solidFill>
-                  <a:schemeClr val="tx1">
-                    <a:lumMod val="65000"/>
-                    <a:lumOff val="35000"/>
-                  </a:schemeClr>
-                </a:solidFill>
-                <a:latin typeface="+mn-ea"/>
-              </a:rPr>
-              <a:t> </a:t>
-            </a:r>
-            <a:r>
-              <a:rPr lang="en-US" altLang="zh-CN" sz="1100" err="1">
-                <a:solidFill>
-                  <a:schemeClr val="tx1">
-                    <a:lumMod val="65000"/>
-                    <a:lumOff val="35000"/>
-                  </a:schemeClr>
-                </a:solidFill>
-                <a:latin typeface="+mn-ea"/>
-              </a:rPr>
-              <a:t>Tempor</a:t>
-            </a:r>
-            <a:r>
-              <a:rPr lang="en-US" altLang="zh-CN" sz="1100">
-                <a:solidFill>
-                  <a:schemeClr val="tx1">
-                    <a:lumMod val="65000"/>
-                    <a:lumOff val="35000"/>
-                  </a:schemeClr>
-                </a:solidFill>
-                <a:latin typeface="+mn-ea"/>
-              </a:rPr>
-              <a:t> </a:t>
-            </a:r>
-            <a:r>
-              <a:rPr lang="en-US" altLang="zh-CN" sz="1100" err="1">
-                <a:solidFill>
-                  <a:schemeClr val="tx1">
-                    <a:lumMod val="65000"/>
-                    <a:lumOff val="35000"/>
-                  </a:schemeClr>
-                </a:solidFill>
-                <a:latin typeface="+mn-ea"/>
-              </a:rPr>
-              <a:t>Incididunt</a:t>
-            </a:r>
-            <a:r>
-              <a:rPr lang="en-US" altLang="zh-CN" sz="1100">
-                <a:solidFill>
-                  <a:schemeClr val="tx1">
-                    <a:lumMod val="65000"/>
-                    <a:lumOff val="35000"/>
-                  </a:schemeClr>
-                </a:solidFill>
-                <a:latin typeface="+mn-ea"/>
-              </a:rPr>
-              <a:t> </a:t>
-            </a:r>
-            <a:r>
-              <a:rPr lang="en-US" altLang="zh-CN" sz="1100" err="1">
-                <a:solidFill>
-                  <a:schemeClr val="tx1">
-                    <a:lumMod val="65000"/>
-                    <a:lumOff val="35000"/>
-                  </a:schemeClr>
-                </a:solidFill>
-                <a:latin typeface="+mn-ea"/>
-              </a:rPr>
-              <a:t>Ut</a:t>
-            </a:r>
-            <a:r>
-              <a:rPr lang="en-US" altLang="zh-CN" sz="1100">
-                <a:solidFill>
-                  <a:schemeClr val="tx1">
-                    <a:lumMod val="65000"/>
-                    <a:lumOff val="35000"/>
-                  </a:schemeClr>
-                </a:solidFill>
-                <a:latin typeface="+mn-ea"/>
-              </a:rPr>
-              <a:t> Cillium Adipisicing Pecu, Sed Do.</a:t>
-            </a:r>
-            <a:endParaRPr lang="zh-CN" altLang="en-US" sz="1100">
-              <a:solidFill>
-                <a:schemeClr val="tx1">
-                  <a:lumMod val="65000"/>
-                  <a:lumOff val="35000"/>
-                </a:schemeClr>
-              </a:solidFill>
-              <a:latin typeface="+mn-ea"/>
-            </a:endParaRPr>
-          </a:p>
-        </p:txBody>
-      </p:sp>
-      <p:sp>
-        <p:nvSpPr>
-          <p:cNvPr id="42" name="矩形 41"/>
-          <p:cNvSpPr/>
-          <p:nvPr/>
-        </p:nvSpPr>
-        <p:spPr>
-          <a:xfrm>
-            <a:off x="2546776" y="1948938"/>
-            <a:ext cx="1890208" cy="307777"/>
-          </a:xfrm>
-          <a:prstGeom prst="rect">
-            <a:avLst/>
-          </a:prstGeom>
-        </p:spPr>
-        <p:txBody>
-          <a:bodyPr wrap="square">
-            <a:spAutoFit/>
-          </a:bodyPr>
-          <a:lstStyle/>
-          <a:p>
-            <a:pPr lvl="0"/>
-            <a:r>
-              <a:rPr lang="en-US" altLang="zh-CN" sz="1400" b="1">
-                <a:solidFill>
-                  <a:srgbClr val="FF0000"/>
-                </a:solidFill>
-              </a:rPr>
-              <a:t>Lorem Ipsum Dolor </a:t>
-            </a:r>
-            <a:endParaRPr lang="zh-CN" altLang="en-US" sz="1400" b="1">
-              <a:solidFill>
-                <a:srgbClr val="FF0000"/>
-              </a:solidFill>
-            </a:endParaRPr>
-          </a:p>
-        </p:txBody>
-      </p:sp>
-      <p:sp>
-        <p:nvSpPr>
-          <p:cNvPr id="44" name="矩形 43"/>
-          <p:cNvSpPr/>
-          <p:nvPr/>
-        </p:nvSpPr>
-        <p:spPr>
-          <a:xfrm>
-            <a:off x="6507217" y="2789517"/>
-            <a:ext cx="1890208" cy="1107996"/>
-          </a:xfrm>
-          <a:prstGeom prst="rect">
-            <a:avLst/>
-          </a:prstGeom>
-        </p:spPr>
-        <p:txBody>
-          <a:bodyPr wrap="square">
-            <a:spAutoFit/>
-          </a:bodyPr>
-          <a:lstStyle/>
-          <a:p>
-            <a:pPr>
-              <a:lnSpc>
-                <a:spcPct val="150000"/>
-              </a:lnSpc>
-            </a:pPr>
-            <a:r>
-              <a:rPr lang="en-US" altLang="zh-CN" sz="1100" err="1">
-                <a:solidFill>
-                  <a:schemeClr val="tx1">
-                    <a:lumMod val="65000"/>
-                    <a:lumOff val="35000"/>
-                  </a:schemeClr>
-                </a:solidFill>
-                <a:latin typeface="+mn-ea"/>
-              </a:rPr>
-              <a:t>Lorem</a:t>
-            </a:r>
-            <a:r>
-              <a:rPr lang="en-US" altLang="zh-CN" sz="1100">
-                <a:solidFill>
-                  <a:schemeClr val="tx1">
-                    <a:lumMod val="65000"/>
-                    <a:lumOff val="35000"/>
-                  </a:schemeClr>
-                </a:solidFill>
-                <a:latin typeface="+mn-ea"/>
-              </a:rPr>
-              <a:t> </a:t>
-            </a:r>
-            <a:r>
-              <a:rPr lang="en-US" altLang="zh-CN" sz="1100" err="1">
-                <a:solidFill>
-                  <a:schemeClr val="tx1">
-                    <a:lumMod val="65000"/>
-                    <a:lumOff val="35000"/>
-                  </a:schemeClr>
-                </a:solidFill>
-                <a:latin typeface="+mn-ea"/>
-              </a:rPr>
-              <a:t>Ipsum</a:t>
-            </a:r>
-            <a:r>
-              <a:rPr lang="en-US" altLang="zh-CN" sz="1100">
-                <a:solidFill>
-                  <a:schemeClr val="tx1">
-                    <a:lumMod val="65000"/>
-                    <a:lumOff val="35000"/>
-                  </a:schemeClr>
-                </a:solidFill>
-                <a:latin typeface="+mn-ea"/>
-              </a:rPr>
-              <a:t> Dolor Sit </a:t>
-            </a:r>
-            <a:r>
-              <a:rPr lang="en-US" altLang="zh-CN" sz="1100" err="1">
-                <a:solidFill>
-                  <a:schemeClr val="tx1">
-                    <a:lumMod val="65000"/>
-                    <a:lumOff val="35000"/>
-                  </a:schemeClr>
-                </a:solidFill>
-                <a:latin typeface="+mn-ea"/>
-              </a:rPr>
-              <a:t>Er</a:t>
-            </a:r>
-            <a:r>
-              <a:rPr lang="en-US" altLang="zh-CN" sz="1100">
-                <a:solidFill>
-                  <a:schemeClr val="tx1">
-                    <a:lumMod val="65000"/>
-                    <a:lumOff val="35000"/>
-                  </a:schemeClr>
-                </a:solidFill>
-                <a:latin typeface="+mn-ea"/>
-              </a:rPr>
-              <a:t> </a:t>
-            </a:r>
-            <a:r>
-              <a:rPr lang="en-US" altLang="zh-CN" sz="1100" err="1">
-                <a:solidFill>
-                  <a:schemeClr val="tx1">
-                    <a:lumMod val="65000"/>
-                    <a:lumOff val="35000"/>
-                  </a:schemeClr>
-                </a:solidFill>
-                <a:latin typeface="+mn-ea"/>
-              </a:rPr>
-              <a:t>Elit</a:t>
-            </a:r>
-            <a:r>
-              <a:rPr lang="en-US" altLang="zh-CN" sz="1100">
-                <a:solidFill>
-                  <a:schemeClr val="tx1">
-                    <a:lumMod val="65000"/>
-                    <a:lumOff val="35000"/>
-                  </a:schemeClr>
-                </a:solidFill>
-                <a:latin typeface="+mn-ea"/>
-              </a:rPr>
-              <a:t> </a:t>
-            </a:r>
-            <a:r>
-              <a:rPr lang="en-US" altLang="zh-CN" sz="1100" err="1">
-                <a:solidFill>
-                  <a:schemeClr val="tx1">
-                    <a:lumMod val="65000"/>
-                    <a:lumOff val="35000"/>
-                  </a:schemeClr>
-                </a:solidFill>
-                <a:latin typeface="+mn-ea"/>
-              </a:rPr>
-              <a:t>Lamet</a:t>
-            </a:r>
-            <a:r>
-              <a:rPr lang="en-US" altLang="zh-CN" sz="1100">
-                <a:solidFill>
-                  <a:schemeClr val="tx1">
-                    <a:lumMod val="65000"/>
-                    <a:lumOff val="35000"/>
-                  </a:schemeClr>
-                </a:solidFill>
-                <a:latin typeface="+mn-ea"/>
-              </a:rPr>
-              <a:t>, </a:t>
-            </a:r>
-            <a:r>
-              <a:rPr lang="en-US" altLang="zh-CN" sz="1100" err="1">
-                <a:solidFill>
-                  <a:schemeClr val="tx1">
-                    <a:lumMod val="65000"/>
-                    <a:lumOff val="35000"/>
-                  </a:schemeClr>
-                </a:solidFill>
-                <a:latin typeface="+mn-ea"/>
-              </a:rPr>
-              <a:t>Consectetaur</a:t>
-            </a:r>
-            <a:r>
-              <a:rPr lang="en-US" altLang="zh-CN" sz="1100">
-                <a:solidFill>
-                  <a:schemeClr val="tx1">
-                    <a:lumMod val="65000"/>
-                    <a:lumOff val="35000"/>
-                  </a:schemeClr>
-                </a:solidFill>
-                <a:latin typeface="+mn-ea"/>
-              </a:rPr>
-              <a:t> </a:t>
-            </a:r>
-            <a:r>
-              <a:rPr lang="en-US" altLang="zh-CN" sz="1100" err="1">
-                <a:solidFill>
-                  <a:schemeClr val="tx1">
-                    <a:lumMod val="65000"/>
-                    <a:lumOff val="35000"/>
-                  </a:schemeClr>
-                </a:solidFill>
-                <a:latin typeface="+mn-ea"/>
-              </a:rPr>
-              <a:t>Cillium</a:t>
-            </a:r>
-            <a:r>
-              <a:rPr lang="en-US" altLang="zh-CN" sz="1100">
-                <a:solidFill>
-                  <a:schemeClr val="tx1">
-                    <a:lumMod val="65000"/>
-                    <a:lumOff val="35000"/>
-                  </a:schemeClr>
-                </a:solidFill>
-                <a:latin typeface="+mn-ea"/>
-              </a:rPr>
-              <a:t> </a:t>
-            </a:r>
-            <a:r>
-              <a:rPr lang="en-US" altLang="zh-CN" sz="1100" err="1">
-                <a:solidFill>
-                  <a:schemeClr val="tx1">
-                    <a:lumMod val="65000"/>
-                    <a:lumOff val="35000"/>
-                  </a:schemeClr>
-                </a:solidFill>
-                <a:latin typeface="+mn-ea"/>
-              </a:rPr>
-              <a:t>Adipisicing</a:t>
-            </a:r>
-            <a:r>
-              <a:rPr lang="en-US" altLang="zh-CN" sz="1100">
-                <a:solidFill>
-                  <a:schemeClr val="tx1">
-                    <a:lumMod val="65000"/>
-                    <a:lumOff val="35000"/>
-                  </a:schemeClr>
-                </a:solidFill>
-                <a:latin typeface="+mn-ea"/>
-              </a:rPr>
-              <a:t> </a:t>
-            </a:r>
-            <a:r>
-              <a:rPr lang="en-US" altLang="zh-CN" sz="1100" err="1">
-                <a:solidFill>
-                  <a:schemeClr val="tx1">
-                    <a:lumMod val="65000"/>
-                    <a:lumOff val="35000"/>
-                  </a:schemeClr>
-                </a:solidFill>
-                <a:latin typeface="+mn-ea"/>
-              </a:rPr>
-              <a:t>Pecu</a:t>
-            </a:r>
-            <a:r>
-              <a:rPr lang="en-US" altLang="zh-CN" sz="1100">
-                <a:solidFill>
-                  <a:schemeClr val="tx1">
-                    <a:lumMod val="65000"/>
-                    <a:lumOff val="35000"/>
-                  </a:schemeClr>
-                </a:solidFill>
-                <a:latin typeface="+mn-ea"/>
-              </a:rPr>
-              <a:t>, </a:t>
-            </a:r>
-            <a:r>
-              <a:rPr lang="en-US" altLang="zh-CN" sz="1100" err="1">
-                <a:solidFill>
-                  <a:schemeClr val="tx1">
-                    <a:lumMod val="65000"/>
-                    <a:lumOff val="35000"/>
-                  </a:schemeClr>
-                </a:solidFill>
-                <a:latin typeface="+mn-ea"/>
-              </a:rPr>
-              <a:t>Sed</a:t>
-            </a:r>
-            <a:r>
-              <a:rPr lang="en-US" altLang="zh-CN" sz="1100">
-                <a:solidFill>
-                  <a:schemeClr val="tx1">
-                    <a:lumMod val="65000"/>
-                    <a:lumOff val="35000"/>
-                  </a:schemeClr>
-                </a:solidFill>
-                <a:latin typeface="+mn-ea"/>
-              </a:rPr>
-              <a:t> Do </a:t>
-            </a:r>
-            <a:r>
-              <a:rPr lang="en-US" altLang="zh-CN" sz="1100" err="1">
-                <a:solidFill>
-                  <a:schemeClr val="tx1">
-                    <a:lumMod val="65000"/>
-                    <a:lumOff val="35000"/>
-                  </a:schemeClr>
-                </a:solidFill>
-                <a:latin typeface="+mn-ea"/>
-              </a:rPr>
-              <a:t>Eiusmod</a:t>
-            </a:r>
-            <a:r>
-              <a:rPr lang="en-US" altLang="zh-CN" sz="1100">
-                <a:solidFill>
-                  <a:schemeClr val="tx1">
-                    <a:lumMod val="65000"/>
-                    <a:lumOff val="35000"/>
-                  </a:schemeClr>
-                </a:solidFill>
-                <a:latin typeface="+mn-ea"/>
-              </a:rPr>
-              <a:t> Tempor.</a:t>
-            </a:r>
-            <a:endParaRPr lang="zh-CN" altLang="en-US" sz="1100">
-              <a:solidFill>
-                <a:schemeClr val="tx1">
-                  <a:lumMod val="65000"/>
-                  <a:lumOff val="35000"/>
-                </a:schemeClr>
-              </a:solidFill>
-              <a:latin typeface="+mn-ea"/>
-            </a:endParaRPr>
-          </a:p>
-        </p:txBody>
-      </p:sp>
-      <p:sp>
-        <p:nvSpPr>
-          <p:cNvPr id="45" name="矩形 44"/>
-          <p:cNvSpPr/>
-          <p:nvPr/>
-        </p:nvSpPr>
-        <p:spPr>
-          <a:xfrm>
-            <a:off x="6507216" y="2488998"/>
-            <a:ext cx="1890208" cy="307777"/>
-          </a:xfrm>
-          <a:prstGeom prst="rect">
-            <a:avLst/>
-          </a:prstGeom>
-        </p:spPr>
-        <p:txBody>
-          <a:bodyPr wrap="square">
-            <a:spAutoFit/>
-          </a:bodyPr>
-          <a:lstStyle/>
-          <a:p>
-            <a:pPr lvl="0"/>
-            <a:r>
-              <a:rPr lang="en-US" altLang="zh-CN" sz="1400" b="1">
-                <a:solidFill>
-                  <a:srgbClr val="FF0000"/>
-                </a:solidFill>
-              </a:rPr>
-              <a:t>Lorem Ipsum Dolor </a:t>
-            </a:r>
-            <a:endParaRPr lang="zh-CN" altLang="en-US" sz="1400" b="1">
-              <a:solidFill>
-                <a:srgbClr val="FF0000"/>
-              </a:solidFill>
-            </a:endParaRPr>
-          </a:p>
-        </p:txBody>
-      </p:sp>
-      <p:cxnSp>
-        <p:nvCxnSpPr>
-          <p:cNvPr id="48" name="直接连接符 47"/>
-          <p:cNvCxnSpPr/>
-          <p:nvPr/>
-        </p:nvCxnSpPr>
-        <p:spPr>
-          <a:xfrm>
-            <a:off x="2456765" y="2429280"/>
-            <a:ext cx="0" cy="1402610"/>
-          </a:xfrm>
-          <a:prstGeom prst="line">
-            <a:avLst/>
-          </a:prstGeom>
-          <a:ln>
-            <a:solidFill>
-              <a:schemeClr val="bg1">
-                <a:lumMod val="85000"/>
-              </a:schemeClr>
-            </a:solidFill>
-          </a:ln>
-        </p:spPr>
-        <p:style>
-          <a:lnRef idx="1">
-            <a:schemeClr val="accent1"/>
-          </a:lnRef>
-          <a:fillRef idx="0">
-            <a:schemeClr val="accent1"/>
-          </a:fillRef>
-          <a:effectRef idx="0">
-            <a:schemeClr val="accent1"/>
-          </a:effectRef>
-          <a:fontRef idx="minor">
-            <a:schemeClr val="tx1"/>
-          </a:fontRef>
-        </p:style>
-      </p:cxnSp>
-      <p:cxnSp>
-        <p:nvCxnSpPr>
-          <p:cNvPr id="49" name="直接连接符 48"/>
-          <p:cNvCxnSpPr/>
-          <p:nvPr/>
-        </p:nvCxnSpPr>
-        <p:spPr>
-          <a:xfrm>
-            <a:off x="4481990" y="2796775"/>
-            <a:ext cx="0" cy="1035115"/>
-          </a:xfrm>
-          <a:prstGeom prst="line">
-            <a:avLst/>
-          </a:prstGeom>
-          <a:ln>
-            <a:solidFill>
-              <a:schemeClr val="bg1">
-                <a:lumMod val="85000"/>
-              </a:schemeClr>
-            </a:solidFill>
-          </a:ln>
-        </p:spPr>
-        <p:style>
-          <a:lnRef idx="1">
-            <a:schemeClr val="accent1"/>
-          </a:lnRef>
-          <a:fillRef idx="0">
-            <a:schemeClr val="accent1"/>
-          </a:fillRef>
-          <a:effectRef idx="0">
-            <a:schemeClr val="accent1"/>
-          </a:effectRef>
-          <a:fontRef idx="minor">
-            <a:schemeClr val="tx1"/>
-          </a:fontRef>
-        </p:style>
-      </p:cxnSp>
-      <p:cxnSp>
-        <p:nvCxnSpPr>
-          <p:cNvPr id="50" name="直接连接符 49"/>
-          <p:cNvCxnSpPr/>
-          <p:nvPr/>
-        </p:nvCxnSpPr>
-        <p:spPr>
-          <a:xfrm>
-            <a:off x="6462210" y="3089599"/>
-            <a:ext cx="0" cy="742291"/>
-          </a:xfrm>
-          <a:prstGeom prst="line">
-            <a:avLst/>
-          </a:prstGeom>
-          <a:ln>
-            <a:solidFill>
-              <a:schemeClr val="bg1">
-                <a:lumMod val="85000"/>
-              </a:schemeClr>
-            </a:solidFill>
-          </a:ln>
-        </p:spPr>
-        <p:style>
-          <a:lnRef idx="1">
-            <a:schemeClr val="accent1"/>
-          </a:lnRef>
-          <a:fillRef idx="0">
-            <a:schemeClr val="accent1"/>
-          </a:fillRef>
-          <a:effectRef idx="0">
-            <a:schemeClr val="accent1"/>
-          </a:effectRef>
-          <a:fontRef idx="minor">
-            <a:schemeClr val="tx1"/>
-          </a:fontRef>
-        </p:style>
-      </p:cxnSp>
-    </p:spTree>
-    <p:extLst>
-      <p:ext uri="{BB962C8B-B14F-4D97-AF65-F5344CB8AC3E}">
-        <p14:creationId xmlns:p14="http://schemas.microsoft.com/office/powerpoint/2010/main" val="1206762169"/>
-      </p:ext>
-    </p:extLst>
-  </p:cSld>
-  <p:clrMapOvr>
-    <a:masterClrMapping/>
-  </p:clrMapOvr>
-  <p:transition spd="slow">
-    <p:push dir="u"/>
-  </p:transition>
-</p:sld>
-</file>
-
-<file path=ppt/slides/slide14.xml><?xml version="1.0" encoding="utf-8"?>
-<p:sld xmlns:a="http://schemas.openxmlformats.org/drawingml/2006/main" xmlns:r="http://schemas.openxmlformats.org/officeDocument/2006/relationships" xmlns:p="http://schemas.openxmlformats.org/presentationml/2006/main">
-  <p:cSld>
-    <p:spTree>
-      <p:nvGrpSpPr>
-        <p:cNvPr id="1" name=""/>
-        <p:cNvGrpSpPr/>
-        <p:nvPr/>
-      </p:nvGrpSpPr>
-      <p:grpSpPr>
-        <a:xfrm>
-          <a:off x="0" y="0"/>
-          <a:ext cx="0" cy="0"/>
-          <a:chOff x="0" y="0"/>
-          <a:chExt cx="0" cy="0"/>
-        </a:xfrm>
-      </p:grpSpPr>
-      <p:sp>
-        <p:nvSpPr>
-          <p:cNvPr id="7" name="TextBox 6"/>
-          <p:cNvSpPr txBox="1"/>
-          <p:nvPr/>
-        </p:nvSpPr>
-        <p:spPr>
-          <a:xfrm>
-            <a:off x="476520" y="96475"/>
-            <a:ext cx="3870455" cy="400110"/>
-          </a:xfrm>
-          <a:prstGeom prst="rect">
-            <a:avLst/>
-          </a:prstGeom>
-          <a:noFill/>
-        </p:spPr>
-        <p:txBody>
-          <a:bodyPr wrap="square" rtlCol="0">
-            <a:spAutoFit/>
-          </a:bodyPr>
-          <a:lstStyle/>
-          <a:p>
-            <a:r>
-              <a:rPr lang="en-US" altLang="zh-CN" sz="2000" dirty="0">
-                <a:solidFill>
-                  <a:schemeClr val="tx1">
-                    <a:lumMod val="85000"/>
-                    <a:lumOff val="15000"/>
-                  </a:schemeClr>
-                </a:solidFill>
-                <a:latin typeface="Impact" pitchFamily="34" charset="0"/>
-                <a:ea typeface="+mj-ea"/>
-              </a:rPr>
-              <a:t>INPUT YOUR GOOD IDEAS HERE</a:t>
-            </a:r>
-            <a:endParaRPr lang="zh-CN" altLang="en-US" sz="2000" dirty="0">
-              <a:solidFill>
-                <a:schemeClr val="tx1">
-                  <a:lumMod val="85000"/>
-                  <a:lumOff val="15000"/>
-                </a:schemeClr>
-              </a:solidFill>
-              <a:latin typeface="Impact" pitchFamily="34" charset="0"/>
-              <a:ea typeface="+mj-ea"/>
-            </a:endParaRPr>
-          </a:p>
-        </p:txBody>
-      </p:sp>
-      <p:sp>
-        <p:nvSpPr>
-          <p:cNvPr id="12" name="矩形 11"/>
-          <p:cNvSpPr/>
-          <p:nvPr/>
-        </p:nvSpPr>
-        <p:spPr>
-          <a:xfrm>
-            <a:off x="476520" y="430384"/>
-            <a:ext cx="3870455" cy="246221"/>
-          </a:xfrm>
-          <a:prstGeom prst="rect">
-            <a:avLst/>
-          </a:prstGeom>
-        </p:spPr>
-        <p:txBody>
-          <a:bodyPr wrap="square">
-            <a:spAutoFit/>
-          </a:bodyPr>
-          <a:lstStyle/>
-          <a:p>
-            <a:r>
-              <a:rPr lang="en-US" altLang="zh-CN" sz="1000">
+              <a:t>葫芦娃的</a:t>
+            </a:r>
+            <a:r>
+              <a:rPr lang="en-US" altLang="zh-CN" sz="1000" dirty="0">
                 <a:solidFill>
                   <a:schemeClr val="tx1">
                     <a:lumMod val="50000"/>
@@ -8612,1072 +6599,10 @@
                   </a:schemeClr>
                 </a:solidFill>
               </a:rPr>
-              <a:t>Always believe that something wonderful is about to happen.</a:t>
-            </a:r>
-            <a:endParaRPr lang="zh-CN" altLang="en-US" sz="1000" dirty="0">
-              <a:solidFill>
-                <a:schemeClr val="tx1">
-                  <a:lumMod val="50000"/>
-                  <a:lumOff val="50000"/>
-                </a:schemeClr>
-              </a:solidFill>
-            </a:endParaRPr>
-          </a:p>
-        </p:txBody>
-      </p:sp>
-      <p:cxnSp>
-        <p:nvCxnSpPr>
-          <p:cNvPr id="20" name="直接连接符 19"/>
-          <p:cNvCxnSpPr/>
-          <p:nvPr/>
-        </p:nvCxnSpPr>
-        <p:spPr>
-          <a:xfrm>
-            <a:off x="0" y="1131590"/>
-            <a:ext cx="4662010" cy="0"/>
-          </a:xfrm>
-          <a:prstGeom prst="line">
-            <a:avLst/>
-          </a:prstGeom>
-          <a:ln w="19050">
-            <a:solidFill>
-              <a:schemeClr val="bg1">
-                <a:lumMod val="50000"/>
-              </a:schemeClr>
-            </a:solidFill>
-          </a:ln>
-        </p:spPr>
-        <p:style>
-          <a:lnRef idx="1">
-            <a:schemeClr val="accent1"/>
-          </a:lnRef>
-          <a:fillRef idx="0">
-            <a:schemeClr val="accent1"/>
-          </a:fillRef>
-          <a:effectRef idx="0">
-            <a:schemeClr val="accent1"/>
-          </a:effectRef>
-          <a:fontRef idx="minor">
-            <a:schemeClr val="tx1"/>
-          </a:fontRef>
-        </p:style>
-      </p:cxnSp>
-      <p:cxnSp>
-        <p:nvCxnSpPr>
-          <p:cNvPr id="21" name="直接连接符 20"/>
-          <p:cNvCxnSpPr/>
-          <p:nvPr/>
-        </p:nvCxnSpPr>
-        <p:spPr>
-          <a:xfrm>
-            <a:off x="1094259" y="1885424"/>
-            <a:ext cx="3567751" cy="0"/>
-          </a:xfrm>
-          <a:prstGeom prst="line">
-            <a:avLst/>
-          </a:prstGeom>
-          <a:ln w="19050">
-            <a:solidFill>
-              <a:schemeClr val="bg1">
-                <a:lumMod val="50000"/>
-              </a:schemeClr>
-            </a:solidFill>
-          </a:ln>
-        </p:spPr>
-        <p:style>
-          <a:lnRef idx="1">
-            <a:schemeClr val="accent1"/>
-          </a:lnRef>
-          <a:fillRef idx="0">
-            <a:schemeClr val="accent1"/>
-          </a:fillRef>
-          <a:effectRef idx="0">
-            <a:schemeClr val="accent1"/>
-          </a:effectRef>
-          <a:fontRef idx="minor">
-            <a:schemeClr val="tx1"/>
-          </a:fontRef>
-        </p:style>
-      </p:cxnSp>
-      <p:cxnSp>
-        <p:nvCxnSpPr>
-          <p:cNvPr id="22" name="直接连接符 21"/>
-          <p:cNvCxnSpPr/>
-          <p:nvPr/>
-        </p:nvCxnSpPr>
-        <p:spPr>
-          <a:xfrm>
-            <a:off x="1094259" y="4146925"/>
-            <a:ext cx="8049741" cy="0"/>
-          </a:xfrm>
-          <a:prstGeom prst="line">
-            <a:avLst/>
-          </a:prstGeom>
-          <a:ln w="19050">
-            <a:solidFill>
-              <a:schemeClr val="bg1">
-                <a:lumMod val="50000"/>
-              </a:schemeClr>
-            </a:solidFill>
-          </a:ln>
-        </p:spPr>
-        <p:style>
-          <a:lnRef idx="1">
-            <a:schemeClr val="accent1"/>
-          </a:lnRef>
-          <a:fillRef idx="0">
-            <a:schemeClr val="accent1"/>
-          </a:fillRef>
-          <a:effectRef idx="0">
-            <a:schemeClr val="accent1"/>
-          </a:effectRef>
-          <a:fontRef idx="minor">
-            <a:schemeClr val="tx1"/>
-          </a:fontRef>
-        </p:style>
-      </p:cxnSp>
-      <p:cxnSp>
-        <p:nvCxnSpPr>
-          <p:cNvPr id="23" name="直接连接符 22"/>
-          <p:cNvCxnSpPr/>
-          <p:nvPr/>
-        </p:nvCxnSpPr>
-        <p:spPr>
-          <a:xfrm>
-            <a:off x="1094259" y="2639258"/>
-            <a:ext cx="3567751" cy="0"/>
-          </a:xfrm>
-          <a:prstGeom prst="line">
-            <a:avLst/>
-          </a:prstGeom>
-          <a:ln w="19050">
-            <a:solidFill>
-              <a:schemeClr val="bg1">
-                <a:lumMod val="50000"/>
-              </a:schemeClr>
-            </a:solidFill>
-          </a:ln>
-        </p:spPr>
-        <p:style>
-          <a:lnRef idx="1">
-            <a:schemeClr val="accent1"/>
-          </a:lnRef>
-          <a:fillRef idx="0">
-            <a:schemeClr val="accent1"/>
-          </a:fillRef>
-          <a:effectRef idx="0">
-            <a:schemeClr val="accent1"/>
-          </a:effectRef>
-          <a:fontRef idx="minor">
-            <a:schemeClr val="tx1"/>
-          </a:fontRef>
-        </p:style>
-      </p:cxnSp>
-      <p:cxnSp>
-        <p:nvCxnSpPr>
-          <p:cNvPr id="24" name="直接连接符 23"/>
-          <p:cNvCxnSpPr/>
-          <p:nvPr/>
-        </p:nvCxnSpPr>
-        <p:spPr>
-          <a:xfrm>
-            <a:off x="1106615" y="3393092"/>
-            <a:ext cx="3567751" cy="0"/>
-          </a:xfrm>
-          <a:prstGeom prst="line">
-            <a:avLst/>
-          </a:prstGeom>
-          <a:ln w="19050">
-            <a:solidFill>
-              <a:schemeClr val="bg1">
-                <a:lumMod val="50000"/>
-              </a:schemeClr>
-            </a:solidFill>
-          </a:ln>
-        </p:spPr>
-        <p:style>
-          <a:lnRef idx="1">
-            <a:schemeClr val="accent1"/>
-          </a:lnRef>
-          <a:fillRef idx="0">
-            <a:schemeClr val="accent1"/>
-          </a:fillRef>
-          <a:effectRef idx="0">
-            <a:schemeClr val="accent1"/>
-          </a:effectRef>
-          <a:fontRef idx="minor">
-            <a:schemeClr val="tx1"/>
-          </a:fontRef>
-        </p:style>
-      </p:cxnSp>
-      <p:sp>
-        <p:nvSpPr>
-          <p:cNvPr id="25" name="椭圆 24"/>
-          <p:cNvSpPr/>
-          <p:nvPr/>
-        </p:nvSpPr>
-        <p:spPr>
-          <a:xfrm>
-            <a:off x="4218359" y="1047979"/>
-            <a:ext cx="938706" cy="938706"/>
-          </a:xfrm>
-          <a:prstGeom prst="ellipse">
-            <a:avLst/>
-          </a:prstGeom>
-          <a:solidFill>
-            <a:schemeClr val="bg1"/>
-          </a:solidFill>
-          <a:ln w="28575">
-            <a:solidFill>
-              <a:srgbClr val="BF3420"/>
-            </a:solidFill>
-          </a:ln>
-        </p:spPr>
-        <p:style>
-          <a:lnRef idx="2">
-            <a:schemeClr val="accent1">
-              <a:shade val="50000"/>
-            </a:schemeClr>
-          </a:lnRef>
-          <a:fillRef idx="1">
-            <a:schemeClr val="accent1"/>
-          </a:fillRef>
-          <a:effectRef idx="0">
-            <a:schemeClr val="accent1"/>
-          </a:effectRef>
-          <a:fontRef idx="minor">
-            <a:schemeClr val="lt1"/>
-          </a:fontRef>
-        </p:style>
-        <p:txBody>
-          <a:bodyPr rtlCol="0" anchor="ctr"/>
-          <a:lstStyle/>
-          <a:p>
-            <a:pPr lvl="0" algn="ctr"/>
-            <a:endParaRPr lang="zh-CN" altLang="en-US" sz="1200" b="1">
-              <a:solidFill>
-                <a:srgbClr val="1A7BAE"/>
-              </a:solidFill>
-              <a:latin typeface="微软雅黑"/>
-            </a:endParaRPr>
-          </a:p>
-        </p:txBody>
-      </p:sp>
-      <p:sp>
-        <p:nvSpPr>
-          <p:cNvPr id="26" name="矩形 25"/>
-          <p:cNvSpPr/>
-          <p:nvPr/>
-        </p:nvSpPr>
-        <p:spPr>
-          <a:xfrm>
-            <a:off x="4314597" y="1286499"/>
-            <a:ext cx="746230" cy="461665"/>
-          </a:xfrm>
-          <a:prstGeom prst="rect">
-            <a:avLst/>
-          </a:prstGeom>
-        </p:spPr>
-        <p:txBody>
-          <a:bodyPr wrap="none">
-            <a:spAutoFit/>
-          </a:bodyPr>
-          <a:lstStyle/>
-          <a:p>
-            <a:pPr lvl="0" algn="ctr"/>
-            <a:r>
-              <a:rPr lang="en-US" altLang="zh-CN" sz="1200" b="1">
-                <a:solidFill>
-                  <a:srgbClr val="BF3420"/>
-                </a:solidFill>
-                <a:latin typeface="微软雅黑"/>
-              </a:rPr>
-              <a:t>LOREM</a:t>
-            </a:r>
-          </a:p>
-          <a:p>
-            <a:pPr lvl="0" algn="ctr"/>
-            <a:r>
-              <a:rPr lang="en-US" altLang="zh-CN" sz="1200" b="1">
-                <a:solidFill>
-                  <a:srgbClr val="BF3420"/>
-                </a:solidFill>
-                <a:latin typeface="微软雅黑"/>
-              </a:rPr>
-              <a:t>IPSUM</a:t>
-            </a:r>
-            <a:endParaRPr lang="zh-CN" altLang="en-US" sz="1200" b="1">
-              <a:solidFill>
-                <a:srgbClr val="BF3420"/>
-              </a:solidFill>
-              <a:latin typeface="微软雅黑"/>
-            </a:endParaRPr>
-          </a:p>
-        </p:txBody>
-      </p:sp>
-      <p:sp>
-        <p:nvSpPr>
-          <p:cNvPr id="27" name="椭圆 26"/>
-          <p:cNvSpPr/>
-          <p:nvPr/>
-        </p:nvSpPr>
-        <p:spPr>
-          <a:xfrm>
-            <a:off x="617959" y="1801429"/>
-            <a:ext cx="938706" cy="938706"/>
-          </a:xfrm>
-          <a:prstGeom prst="ellipse">
-            <a:avLst/>
-          </a:prstGeom>
-          <a:solidFill>
-            <a:schemeClr val="bg1"/>
-          </a:solidFill>
-          <a:ln w="28575">
-            <a:solidFill>
-              <a:srgbClr val="FF0000"/>
-            </a:solidFill>
-          </a:ln>
-        </p:spPr>
-        <p:style>
-          <a:lnRef idx="2">
-            <a:schemeClr val="accent1">
-              <a:shade val="50000"/>
-            </a:schemeClr>
-          </a:lnRef>
-          <a:fillRef idx="1">
-            <a:schemeClr val="accent1"/>
-          </a:fillRef>
-          <a:effectRef idx="0">
-            <a:schemeClr val="accent1"/>
-          </a:effectRef>
-          <a:fontRef idx="minor">
-            <a:schemeClr val="lt1"/>
-          </a:fontRef>
-        </p:style>
-        <p:txBody>
-          <a:bodyPr rtlCol="0" anchor="ctr"/>
-          <a:lstStyle/>
-          <a:p>
-            <a:pPr lvl="0" algn="ctr"/>
-            <a:endParaRPr lang="zh-CN" altLang="en-US" sz="1200" b="1">
-              <a:solidFill>
-                <a:srgbClr val="1A7BAE"/>
-              </a:solidFill>
-              <a:latin typeface="微软雅黑"/>
-            </a:endParaRPr>
-          </a:p>
-        </p:txBody>
-      </p:sp>
-      <p:sp>
-        <p:nvSpPr>
-          <p:cNvPr id="30" name="矩形 29"/>
-          <p:cNvSpPr/>
-          <p:nvPr/>
-        </p:nvSpPr>
-        <p:spPr>
-          <a:xfrm>
-            <a:off x="714197" y="2039949"/>
-            <a:ext cx="746230" cy="461665"/>
-          </a:xfrm>
-          <a:prstGeom prst="rect">
-            <a:avLst/>
-          </a:prstGeom>
-        </p:spPr>
-        <p:txBody>
-          <a:bodyPr wrap="none">
-            <a:spAutoFit/>
-          </a:bodyPr>
-          <a:lstStyle/>
-          <a:p>
-            <a:pPr lvl="0" algn="ctr"/>
-            <a:r>
-              <a:rPr lang="en-US" altLang="zh-CN" sz="1200" b="1">
-                <a:solidFill>
-                  <a:srgbClr val="FF0000"/>
-                </a:solidFill>
-                <a:latin typeface="微软雅黑"/>
-              </a:rPr>
-              <a:t>LOREM</a:t>
-            </a:r>
-          </a:p>
-          <a:p>
-            <a:pPr lvl="0" algn="ctr"/>
-            <a:r>
-              <a:rPr lang="en-US" altLang="zh-CN" sz="1200" b="1">
-                <a:solidFill>
-                  <a:srgbClr val="FF0000"/>
-                </a:solidFill>
-                <a:latin typeface="微软雅黑"/>
-              </a:rPr>
-              <a:t>IPSUM</a:t>
-            </a:r>
-            <a:endParaRPr lang="zh-CN" altLang="en-US" sz="1200" b="1">
-              <a:solidFill>
-                <a:srgbClr val="FF0000"/>
-              </a:solidFill>
-              <a:latin typeface="微软雅黑"/>
-            </a:endParaRPr>
-          </a:p>
-        </p:txBody>
-      </p:sp>
-      <p:sp>
-        <p:nvSpPr>
-          <p:cNvPr id="32" name="椭圆 31"/>
-          <p:cNvSpPr/>
-          <p:nvPr/>
-        </p:nvSpPr>
-        <p:spPr>
-          <a:xfrm>
-            <a:off x="4218359" y="2571750"/>
-            <a:ext cx="938706" cy="938706"/>
-          </a:xfrm>
-          <a:prstGeom prst="ellipse">
-            <a:avLst/>
-          </a:prstGeom>
-          <a:solidFill>
-            <a:schemeClr val="bg1"/>
-          </a:solidFill>
-          <a:ln w="28575">
-            <a:solidFill>
-              <a:srgbClr val="BF3420"/>
-            </a:solidFill>
-          </a:ln>
-        </p:spPr>
-        <p:style>
-          <a:lnRef idx="2">
-            <a:schemeClr val="accent1">
-              <a:shade val="50000"/>
-            </a:schemeClr>
-          </a:lnRef>
-          <a:fillRef idx="1">
-            <a:schemeClr val="accent1"/>
-          </a:fillRef>
-          <a:effectRef idx="0">
-            <a:schemeClr val="accent1"/>
-          </a:effectRef>
-          <a:fontRef idx="minor">
-            <a:schemeClr val="lt1"/>
-          </a:fontRef>
-        </p:style>
-        <p:txBody>
-          <a:bodyPr rtlCol="0" anchor="ctr"/>
-          <a:lstStyle/>
-          <a:p>
-            <a:pPr lvl="0" algn="ctr"/>
-            <a:endParaRPr lang="zh-CN" altLang="en-US" sz="1200" b="1">
-              <a:solidFill>
-                <a:srgbClr val="1A7BAE"/>
-              </a:solidFill>
-              <a:latin typeface="微软雅黑"/>
-            </a:endParaRPr>
-          </a:p>
-        </p:txBody>
-      </p:sp>
-      <p:sp>
-        <p:nvSpPr>
-          <p:cNvPr id="35" name="矩形 34"/>
-          <p:cNvSpPr/>
-          <p:nvPr/>
-        </p:nvSpPr>
-        <p:spPr>
-          <a:xfrm>
-            <a:off x="4314597" y="2810270"/>
-            <a:ext cx="746230" cy="461665"/>
-          </a:xfrm>
-          <a:prstGeom prst="rect">
-            <a:avLst/>
-          </a:prstGeom>
-        </p:spPr>
-        <p:txBody>
-          <a:bodyPr wrap="none">
-            <a:spAutoFit/>
-          </a:bodyPr>
-          <a:lstStyle/>
-          <a:p>
-            <a:pPr lvl="0" algn="ctr"/>
-            <a:r>
-              <a:rPr lang="en-US" altLang="zh-CN" sz="1200" b="1">
-                <a:solidFill>
-                  <a:srgbClr val="BF3420"/>
-                </a:solidFill>
-                <a:latin typeface="微软雅黑"/>
-              </a:rPr>
-              <a:t>LOREM</a:t>
-            </a:r>
-          </a:p>
-          <a:p>
-            <a:pPr lvl="0" algn="ctr"/>
-            <a:r>
-              <a:rPr lang="en-US" altLang="zh-CN" sz="1200" b="1">
-                <a:solidFill>
-                  <a:srgbClr val="BF3420"/>
-                </a:solidFill>
-                <a:latin typeface="微软雅黑"/>
-              </a:rPr>
-              <a:t>IPSUM</a:t>
-            </a:r>
-            <a:endParaRPr lang="zh-CN" altLang="en-US" sz="1200" b="1">
-              <a:solidFill>
-                <a:srgbClr val="BF3420"/>
-              </a:solidFill>
-              <a:latin typeface="微软雅黑"/>
-            </a:endParaRPr>
-          </a:p>
-        </p:txBody>
-      </p:sp>
-      <p:sp>
-        <p:nvSpPr>
-          <p:cNvPr id="37" name="椭圆 36"/>
-          <p:cNvSpPr/>
-          <p:nvPr/>
-        </p:nvSpPr>
-        <p:spPr>
-          <a:xfrm>
-            <a:off x="617959" y="3325200"/>
-            <a:ext cx="938706" cy="938706"/>
-          </a:xfrm>
-          <a:prstGeom prst="ellipse">
-            <a:avLst/>
-          </a:prstGeom>
-          <a:solidFill>
-            <a:schemeClr val="bg1"/>
-          </a:solidFill>
-          <a:ln w="28575">
-            <a:solidFill>
-              <a:srgbClr val="FF0000"/>
-            </a:solidFill>
-          </a:ln>
-        </p:spPr>
-        <p:style>
-          <a:lnRef idx="2">
-            <a:schemeClr val="accent1">
-              <a:shade val="50000"/>
-            </a:schemeClr>
-          </a:lnRef>
-          <a:fillRef idx="1">
-            <a:schemeClr val="accent1"/>
-          </a:fillRef>
-          <a:effectRef idx="0">
-            <a:schemeClr val="accent1"/>
-          </a:effectRef>
-          <a:fontRef idx="minor">
-            <a:schemeClr val="lt1"/>
-          </a:fontRef>
-        </p:style>
-        <p:txBody>
-          <a:bodyPr rtlCol="0" anchor="ctr"/>
-          <a:lstStyle/>
-          <a:p>
-            <a:pPr lvl="0" algn="ctr"/>
-            <a:endParaRPr lang="zh-CN" altLang="en-US" sz="1200" b="1">
-              <a:solidFill>
-                <a:srgbClr val="1A7BAE"/>
-              </a:solidFill>
-              <a:latin typeface="微软雅黑"/>
-            </a:endParaRPr>
-          </a:p>
-        </p:txBody>
-      </p:sp>
-      <p:sp>
-        <p:nvSpPr>
-          <p:cNvPr id="41" name="矩形 40"/>
-          <p:cNvSpPr/>
-          <p:nvPr/>
-        </p:nvSpPr>
-        <p:spPr>
-          <a:xfrm>
-            <a:off x="714197" y="3563720"/>
-            <a:ext cx="746230" cy="461665"/>
-          </a:xfrm>
-          <a:prstGeom prst="rect">
-            <a:avLst/>
-          </a:prstGeom>
-        </p:spPr>
-        <p:txBody>
-          <a:bodyPr wrap="none">
-            <a:spAutoFit/>
-          </a:bodyPr>
-          <a:lstStyle/>
-          <a:p>
-            <a:pPr lvl="0" algn="ctr"/>
-            <a:r>
-              <a:rPr lang="en-US" altLang="zh-CN" sz="1200" b="1">
-                <a:solidFill>
-                  <a:srgbClr val="FF0000"/>
-                </a:solidFill>
-                <a:latin typeface="微软雅黑"/>
-              </a:rPr>
-              <a:t>LOREM</a:t>
-            </a:r>
-          </a:p>
-          <a:p>
-            <a:pPr lvl="0" algn="ctr"/>
-            <a:r>
-              <a:rPr lang="en-US" altLang="zh-CN" sz="1200" b="1">
-                <a:solidFill>
-                  <a:srgbClr val="FF0000"/>
-                </a:solidFill>
-                <a:latin typeface="微软雅黑"/>
-              </a:rPr>
-              <a:t>IPSUM</a:t>
-            </a:r>
-            <a:endParaRPr lang="zh-CN" altLang="en-US" sz="1200" b="1">
-              <a:solidFill>
-                <a:srgbClr val="FF0000"/>
-              </a:solidFill>
-              <a:latin typeface="微软雅黑"/>
-            </a:endParaRPr>
-          </a:p>
-        </p:txBody>
-      </p:sp>
-      <p:sp>
-        <p:nvSpPr>
-          <p:cNvPr id="43" name="矩形 42"/>
-          <p:cNvSpPr/>
-          <p:nvPr/>
-        </p:nvSpPr>
-        <p:spPr>
-          <a:xfrm>
-            <a:off x="1601670" y="1970699"/>
-            <a:ext cx="2193018" cy="600164"/>
-          </a:xfrm>
-          <a:prstGeom prst="rect">
-            <a:avLst/>
-          </a:prstGeom>
-        </p:spPr>
-        <p:txBody>
-          <a:bodyPr wrap="square">
-            <a:spAutoFit/>
-          </a:bodyPr>
-          <a:lstStyle/>
-          <a:p>
-            <a:pPr>
-              <a:lnSpc>
-                <a:spcPct val="150000"/>
-              </a:lnSpc>
-            </a:pPr>
-            <a:r>
-              <a:rPr lang="en-US" altLang="zh-CN" sz="1100" err="1">
-                <a:solidFill>
-                  <a:schemeClr val="tx1">
-                    <a:lumMod val="65000"/>
-                    <a:lumOff val="35000"/>
-                  </a:schemeClr>
-                </a:solidFill>
-                <a:latin typeface="+mn-ea"/>
-              </a:rPr>
-              <a:t>Lorem</a:t>
-            </a:r>
-            <a:r>
-              <a:rPr lang="en-US" altLang="zh-CN" sz="1100">
-                <a:solidFill>
-                  <a:schemeClr val="tx1">
-                    <a:lumMod val="65000"/>
-                    <a:lumOff val="35000"/>
-                  </a:schemeClr>
-                </a:solidFill>
-                <a:latin typeface="+mn-ea"/>
-              </a:rPr>
-              <a:t> </a:t>
-            </a:r>
-            <a:r>
-              <a:rPr lang="en-US" altLang="zh-CN" sz="1100" err="1">
-                <a:solidFill>
-                  <a:schemeClr val="tx1">
-                    <a:lumMod val="65000"/>
-                    <a:lumOff val="35000"/>
-                  </a:schemeClr>
-                </a:solidFill>
-                <a:latin typeface="+mn-ea"/>
-              </a:rPr>
-              <a:t>Ipsum</a:t>
-            </a:r>
-            <a:r>
-              <a:rPr lang="en-US" altLang="zh-CN" sz="1100">
-                <a:solidFill>
-                  <a:schemeClr val="tx1">
-                    <a:lumMod val="65000"/>
-                    <a:lumOff val="35000"/>
-                  </a:schemeClr>
-                </a:solidFill>
-                <a:latin typeface="+mn-ea"/>
-              </a:rPr>
-              <a:t> Dolor Sit Consectetaur Cillium Pecu.</a:t>
-            </a:r>
-            <a:endParaRPr lang="zh-CN" altLang="en-US" sz="1100">
-              <a:solidFill>
-                <a:schemeClr val="tx1">
-                  <a:lumMod val="65000"/>
-                  <a:lumOff val="35000"/>
-                </a:schemeClr>
-              </a:solidFill>
-              <a:latin typeface="+mn-ea"/>
-            </a:endParaRPr>
-          </a:p>
-        </p:txBody>
-      </p:sp>
-      <p:sp>
-        <p:nvSpPr>
-          <p:cNvPr id="46" name="矩形 45"/>
-          <p:cNvSpPr/>
-          <p:nvPr/>
-        </p:nvSpPr>
-        <p:spPr>
-          <a:xfrm>
-            <a:off x="1601670" y="3494470"/>
-            <a:ext cx="2193018" cy="600164"/>
-          </a:xfrm>
-          <a:prstGeom prst="rect">
-            <a:avLst/>
-          </a:prstGeom>
-        </p:spPr>
-        <p:txBody>
-          <a:bodyPr wrap="square">
-            <a:spAutoFit/>
-          </a:bodyPr>
-          <a:lstStyle/>
-          <a:p>
-            <a:pPr>
-              <a:lnSpc>
-                <a:spcPct val="150000"/>
-              </a:lnSpc>
-            </a:pPr>
-            <a:r>
-              <a:rPr lang="en-US" altLang="zh-CN" sz="1100" err="1">
-                <a:solidFill>
-                  <a:schemeClr val="tx1">
-                    <a:lumMod val="65000"/>
-                    <a:lumOff val="35000"/>
-                  </a:schemeClr>
-                </a:solidFill>
-                <a:latin typeface="+mn-ea"/>
-              </a:rPr>
-              <a:t>Lorem</a:t>
-            </a:r>
-            <a:r>
-              <a:rPr lang="en-US" altLang="zh-CN" sz="1100">
-                <a:solidFill>
-                  <a:schemeClr val="tx1">
-                    <a:lumMod val="65000"/>
-                    <a:lumOff val="35000"/>
-                  </a:schemeClr>
-                </a:solidFill>
-                <a:latin typeface="+mn-ea"/>
-              </a:rPr>
-              <a:t> </a:t>
-            </a:r>
-            <a:r>
-              <a:rPr lang="en-US" altLang="zh-CN" sz="1100" err="1">
-                <a:solidFill>
-                  <a:schemeClr val="tx1">
-                    <a:lumMod val="65000"/>
-                    <a:lumOff val="35000"/>
-                  </a:schemeClr>
-                </a:solidFill>
-                <a:latin typeface="+mn-ea"/>
-              </a:rPr>
-              <a:t>Ipsum</a:t>
-            </a:r>
-            <a:r>
-              <a:rPr lang="en-US" altLang="zh-CN" sz="1100">
-                <a:solidFill>
-                  <a:schemeClr val="tx1">
-                    <a:lumMod val="65000"/>
-                    <a:lumOff val="35000"/>
-                  </a:schemeClr>
-                </a:solidFill>
-                <a:latin typeface="+mn-ea"/>
-              </a:rPr>
-              <a:t> Dolor Sit Consectetaur Cillium Pecu.</a:t>
-            </a:r>
-            <a:endParaRPr lang="zh-CN" altLang="en-US" sz="1100">
-              <a:solidFill>
-                <a:schemeClr val="tx1">
-                  <a:lumMod val="65000"/>
-                  <a:lumOff val="35000"/>
-                </a:schemeClr>
-              </a:solidFill>
-              <a:latin typeface="+mn-ea"/>
-            </a:endParaRPr>
-          </a:p>
-        </p:txBody>
-      </p:sp>
-      <p:sp>
-        <p:nvSpPr>
-          <p:cNvPr id="47" name="矩形 46"/>
-          <p:cNvSpPr/>
-          <p:nvPr/>
-        </p:nvSpPr>
-        <p:spPr>
-          <a:xfrm>
-            <a:off x="1973937" y="2721546"/>
-            <a:ext cx="2193018" cy="570284"/>
-          </a:xfrm>
-          <a:prstGeom prst="rect">
-            <a:avLst/>
-          </a:prstGeom>
-        </p:spPr>
-        <p:txBody>
-          <a:bodyPr wrap="square">
-            <a:spAutoFit/>
-          </a:bodyPr>
-          <a:lstStyle/>
-          <a:p>
-            <a:pPr algn="r">
-              <a:lnSpc>
-                <a:spcPct val="150000"/>
-              </a:lnSpc>
-            </a:pPr>
-            <a:r>
-              <a:rPr lang="en-US" altLang="zh-CN" sz="1100" err="1">
-                <a:solidFill>
-                  <a:schemeClr val="tx1">
-                    <a:lumMod val="65000"/>
-                    <a:lumOff val="35000"/>
-                  </a:schemeClr>
-                </a:solidFill>
-                <a:latin typeface="+mn-ea"/>
-              </a:rPr>
-              <a:t>Lorem</a:t>
-            </a:r>
-            <a:r>
-              <a:rPr lang="en-US" altLang="zh-CN" sz="1100">
-                <a:solidFill>
-                  <a:schemeClr val="tx1">
-                    <a:lumMod val="65000"/>
-                    <a:lumOff val="35000"/>
-                  </a:schemeClr>
-                </a:solidFill>
-                <a:latin typeface="+mn-ea"/>
-              </a:rPr>
-              <a:t> </a:t>
-            </a:r>
-            <a:r>
-              <a:rPr lang="en-US" altLang="zh-CN" sz="1100" err="1">
-                <a:solidFill>
-                  <a:schemeClr val="tx1">
-                    <a:lumMod val="65000"/>
-                    <a:lumOff val="35000"/>
-                  </a:schemeClr>
-                </a:solidFill>
-                <a:latin typeface="+mn-ea"/>
-              </a:rPr>
-              <a:t>Ipsum</a:t>
-            </a:r>
-            <a:r>
-              <a:rPr lang="en-US" altLang="zh-CN" sz="1100">
-                <a:solidFill>
-                  <a:schemeClr val="tx1">
-                    <a:lumMod val="65000"/>
-                    <a:lumOff val="35000"/>
-                  </a:schemeClr>
-                </a:solidFill>
-                <a:latin typeface="+mn-ea"/>
-              </a:rPr>
-              <a:t> Dolor Sit Consectetaur Cillium Pecu.</a:t>
-            </a:r>
-            <a:endParaRPr lang="zh-CN" altLang="en-US" sz="1100">
-              <a:solidFill>
-                <a:schemeClr val="tx1">
-                  <a:lumMod val="65000"/>
-                  <a:lumOff val="35000"/>
-                </a:schemeClr>
-              </a:solidFill>
-              <a:latin typeface="+mn-ea"/>
-            </a:endParaRPr>
-          </a:p>
-        </p:txBody>
-      </p:sp>
-      <p:sp>
-        <p:nvSpPr>
-          <p:cNvPr id="51" name="矩形 50"/>
-          <p:cNvSpPr/>
-          <p:nvPr/>
-        </p:nvSpPr>
-        <p:spPr>
-          <a:xfrm>
-            <a:off x="1973937" y="1232190"/>
-            <a:ext cx="2193018" cy="570284"/>
-          </a:xfrm>
-          <a:prstGeom prst="rect">
-            <a:avLst/>
-          </a:prstGeom>
-        </p:spPr>
-        <p:txBody>
-          <a:bodyPr wrap="square">
-            <a:spAutoFit/>
-          </a:bodyPr>
-          <a:lstStyle/>
-          <a:p>
-            <a:pPr algn="r">
-              <a:lnSpc>
-                <a:spcPct val="150000"/>
-              </a:lnSpc>
-            </a:pPr>
-            <a:r>
-              <a:rPr lang="en-US" altLang="zh-CN" sz="1100" err="1">
-                <a:solidFill>
-                  <a:schemeClr val="tx1">
-                    <a:lumMod val="65000"/>
-                    <a:lumOff val="35000"/>
-                  </a:schemeClr>
-                </a:solidFill>
-                <a:latin typeface="+mn-ea"/>
-              </a:rPr>
-              <a:t>Lorem</a:t>
-            </a:r>
-            <a:r>
-              <a:rPr lang="en-US" altLang="zh-CN" sz="1100">
-                <a:solidFill>
-                  <a:schemeClr val="tx1">
-                    <a:lumMod val="65000"/>
-                    <a:lumOff val="35000"/>
-                  </a:schemeClr>
-                </a:solidFill>
-                <a:latin typeface="+mn-ea"/>
-              </a:rPr>
-              <a:t> </a:t>
-            </a:r>
-            <a:r>
-              <a:rPr lang="en-US" altLang="zh-CN" sz="1100" err="1">
-                <a:solidFill>
-                  <a:schemeClr val="tx1">
-                    <a:lumMod val="65000"/>
-                    <a:lumOff val="35000"/>
-                  </a:schemeClr>
-                </a:solidFill>
-                <a:latin typeface="+mn-ea"/>
-              </a:rPr>
-              <a:t>Ipsum</a:t>
-            </a:r>
-            <a:r>
-              <a:rPr lang="en-US" altLang="zh-CN" sz="1100">
-                <a:solidFill>
-                  <a:schemeClr val="tx1">
-                    <a:lumMod val="65000"/>
-                    <a:lumOff val="35000"/>
-                  </a:schemeClr>
-                </a:solidFill>
-                <a:latin typeface="+mn-ea"/>
-              </a:rPr>
-              <a:t> Dolor Sit Consectetaur Cillium Pecu.</a:t>
-            </a:r>
-            <a:endParaRPr lang="zh-CN" altLang="en-US" sz="1100">
-              <a:solidFill>
-                <a:schemeClr val="tx1">
-                  <a:lumMod val="65000"/>
-                  <a:lumOff val="35000"/>
-                </a:schemeClr>
-              </a:solidFill>
-              <a:latin typeface="+mn-ea"/>
-            </a:endParaRPr>
-          </a:p>
-        </p:txBody>
-      </p:sp>
-    </p:spTree>
-    <p:extLst>
-      <p:ext uri="{BB962C8B-B14F-4D97-AF65-F5344CB8AC3E}">
-        <p14:creationId xmlns:p14="http://schemas.microsoft.com/office/powerpoint/2010/main" val="1815212976"/>
-      </p:ext>
-    </p:extLst>
-  </p:cSld>
-  <p:clrMapOvr>
-    <a:masterClrMapping/>
-  </p:clrMapOvr>
-  <p:transition spd="slow">
-    <p:push dir="u"/>
-  </p:transition>
-</p:sld>
-</file>
-
-<file path=ppt/slides/slide15.xml><?xml version="1.0" encoding="utf-8"?>
-<p:sld xmlns:a="http://schemas.openxmlformats.org/drawingml/2006/main" xmlns:r="http://schemas.openxmlformats.org/officeDocument/2006/relationships" xmlns:p="http://schemas.openxmlformats.org/presentationml/2006/main">
-  <p:cSld>
-    <p:spTree>
-      <p:nvGrpSpPr>
-        <p:cNvPr id="1" name=""/>
-        <p:cNvGrpSpPr/>
-        <p:nvPr/>
-      </p:nvGrpSpPr>
-      <p:grpSpPr>
-        <a:xfrm>
-          <a:off x="0" y="0"/>
-          <a:ext cx="0" cy="0"/>
-          <a:chOff x="0" y="0"/>
-          <a:chExt cx="0" cy="0"/>
-        </a:xfrm>
-      </p:grpSpPr>
-      <p:sp>
-        <p:nvSpPr>
-          <p:cNvPr id="7" name="TextBox 6"/>
-          <p:cNvSpPr txBox="1"/>
-          <p:nvPr/>
-        </p:nvSpPr>
-        <p:spPr>
-          <a:xfrm>
-            <a:off x="476520" y="96475"/>
-            <a:ext cx="3870455" cy="400110"/>
-          </a:xfrm>
-          <a:prstGeom prst="rect">
-            <a:avLst/>
-          </a:prstGeom>
-          <a:noFill/>
-        </p:spPr>
-        <p:txBody>
-          <a:bodyPr wrap="square" rtlCol="0">
-            <a:spAutoFit/>
-          </a:bodyPr>
-          <a:lstStyle/>
-          <a:p>
-            <a:r>
-              <a:rPr lang="en-US" altLang="zh-CN" sz="2000" dirty="0">
-                <a:solidFill>
-                  <a:schemeClr val="tx1">
-                    <a:lumMod val="85000"/>
-                    <a:lumOff val="15000"/>
-                  </a:schemeClr>
-                </a:solidFill>
-                <a:latin typeface="Impact" pitchFamily="34" charset="0"/>
-                <a:ea typeface="+mj-ea"/>
-              </a:rPr>
-              <a:t>INPUT YOUR GOOD IDEAS HERE</a:t>
-            </a:r>
-            <a:endParaRPr lang="zh-CN" altLang="en-US" sz="2000" dirty="0">
-              <a:solidFill>
-                <a:schemeClr val="tx1">
-                  <a:lumMod val="85000"/>
-                  <a:lumOff val="15000"/>
-                </a:schemeClr>
-              </a:solidFill>
-              <a:latin typeface="Impact" pitchFamily="34" charset="0"/>
-              <a:ea typeface="+mj-ea"/>
-            </a:endParaRPr>
-          </a:p>
-        </p:txBody>
-      </p:sp>
-      <p:sp>
-        <p:nvSpPr>
-          <p:cNvPr id="12" name="矩形 11"/>
-          <p:cNvSpPr/>
-          <p:nvPr/>
-        </p:nvSpPr>
-        <p:spPr>
-          <a:xfrm>
-            <a:off x="476520" y="430384"/>
-            <a:ext cx="3870455" cy="246221"/>
-          </a:xfrm>
-          <a:prstGeom prst="rect">
-            <a:avLst/>
-          </a:prstGeom>
-        </p:spPr>
-        <p:txBody>
-          <a:bodyPr wrap="square">
-            <a:spAutoFit/>
-          </a:bodyPr>
-          <a:lstStyle/>
-          <a:p>
-            <a:r>
-              <a:rPr lang="en-US" altLang="zh-CN" sz="1000">
+              <a:t>go</a:t>
+            </a:r>
+            <a:r>
+              <a:rPr lang="zh-CN" altLang="en-US" sz="1000" dirty="0">
                 <a:solidFill>
                   <a:schemeClr val="tx1">
                     <a:lumMod val="50000"/>
@@ -9685,200 +6610,8 @@
                   </a:schemeClr>
                 </a:solidFill>
               </a:rPr>
-              <a:t>Always believe that something wonderful is about to happen.</a:t>
-            </a:r>
-            <a:endParaRPr lang="zh-CN" altLang="en-US" sz="1000" dirty="0">
-              <a:solidFill>
-                <a:schemeClr val="tx1">
-                  <a:lumMod val="50000"/>
-                  <a:lumOff val="50000"/>
-                </a:schemeClr>
-              </a:solidFill>
-            </a:endParaRPr>
-          </a:p>
-        </p:txBody>
-      </p:sp>
-      <p:sp>
-        <p:nvSpPr>
-          <p:cNvPr id="28" name="等腰三角形 27"/>
-          <p:cNvSpPr/>
-          <p:nvPr/>
-        </p:nvSpPr>
-        <p:spPr>
-          <a:xfrm>
-            <a:off x="426005" y="1275605"/>
-            <a:ext cx="2956249" cy="2448272"/>
-          </a:xfrm>
-          <a:prstGeom prst="triangle">
-            <a:avLst/>
-          </a:prstGeom>
-          <a:solidFill>
-            <a:srgbClr val="FF0000"/>
-          </a:solidFill>
-          <a:ln>
-            <a:noFill/>
-          </a:ln>
-        </p:spPr>
-        <p:style>
-          <a:lnRef idx="2">
-            <a:schemeClr val="accent1">
-              <a:shade val="50000"/>
-            </a:schemeClr>
-          </a:lnRef>
-          <a:fillRef idx="1">
-            <a:schemeClr val="accent1"/>
-          </a:fillRef>
-          <a:effectRef idx="0">
-            <a:schemeClr val="accent1"/>
-          </a:effectRef>
-          <a:fontRef idx="minor">
-            <a:schemeClr val="lt1"/>
-          </a:fontRef>
-        </p:style>
-        <p:txBody>
-          <a:bodyPr rtlCol="0" anchor="ctr"/>
-          <a:lstStyle/>
-          <a:p>
-            <a:pPr algn="ctr"/>
-            <a:endParaRPr lang="zh-CN" altLang="en-US"/>
-          </a:p>
-        </p:txBody>
-      </p:sp>
-      <p:sp>
-        <p:nvSpPr>
-          <p:cNvPr id="29" name="等腰三角形 28"/>
-          <p:cNvSpPr/>
-          <p:nvPr/>
-        </p:nvSpPr>
-        <p:spPr>
-          <a:xfrm rot="10800000">
-            <a:off x="2202741" y="1275605"/>
-            <a:ext cx="2956249" cy="2448272"/>
-          </a:xfrm>
-          <a:prstGeom prst="triangle">
-            <a:avLst/>
-          </a:prstGeom>
-          <a:solidFill>
-            <a:srgbClr val="BF3420"/>
-          </a:solidFill>
-          <a:ln>
-            <a:noFill/>
-          </a:ln>
-        </p:spPr>
-        <p:style>
-          <a:lnRef idx="2">
-            <a:schemeClr val="accent1">
-              <a:shade val="50000"/>
-            </a:schemeClr>
-          </a:lnRef>
-          <a:fillRef idx="1">
-            <a:schemeClr val="accent1"/>
-          </a:fillRef>
-          <a:effectRef idx="0">
-            <a:schemeClr val="accent1"/>
-          </a:effectRef>
-          <a:fontRef idx="minor">
-            <a:schemeClr val="lt1"/>
-          </a:fontRef>
-        </p:style>
-        <p:txBody>
-          <a:bodyPr rtlCol="0" anchor="ctr"/>
-          <a:lstStyle/>
-          <a:p>
-            <a:pPr algn="ctr"/>
-            <a:endParaRPr lang="zh-CN" altLang="en-US"/>
-          </a:p>
-        </p:txBody>
-      </p:sp>
-      <p:sp>
-        <p:nvSpPr>
-          <p:cNvPr id="31" name="等腰三角形 30"/>
-          <p:cNvSpPr/>
-          <p:nvPr/>
-        </p:nvSpPr>
-        <p:spPr>
-          <a:xfrm>
-            <a:off x="3979477" y="1275606"/>
-            <a:ext cx="2956249" cy="2448272"/>
-          </a:xfrm>
-          <a:prstGeom prst="triangle">
-            <a:avLst/>
-          </a:prstGeom>
-          <a:solidFill>
-            <a:srgbClr val="FF0000"/>
-          </a:solidFill>
-          <a:ln>
-            <a:noFill/>
-          </a:ln>
-        </p:spPr>
-        <p:style>
-          <a:lnRef idx="2">
-            <a:schemeClr val="accent1">
-              <a:shade val="50000"/>
-            </a:schemeClr>
-          </a:lnRef>
-          <a:fillRef idx="1">
-            <a:schemeClr val="accent1"/>
-          </a:fillRef>
-          <a:effectRef idx="0">
-            <a:schemeClr val="accent1"/>
-          </a:effectRef>
-          <a:fontRef idx="minor">
-            <a:schemeClr val="lt1"/>
-          </a:fontRef>
-        </p:style>
-        <p:txBody>
-          <a:bodyPr rtlCol="0" anchor="ctr"/>
-          <a:lstStyle/>
-          <a:p>
-            <a:pPr algn="ctr"/>
-            <a:endParaRPr lang="zh-CN" altLang="en-US"/>
-          </a:p>
-        </p:txBody>
-      </p:sp>
-      <p:sp>
-        <p:nvSpPr>
-          <p:cNvPr id="33" name="等腰三角形 32"/>
-          <p:cNvSpPr/>
-          <p:nvPr/>
-        </p:nvSpPr>
-        <p:spPr>
-          <a:xfrm rot="10800000">
-            <a:off x="5756211" y="1275606"/>
-            <a:ext cx="2956249" cy="2448272"/>
-          </a:xfrm>
-          <a:prstGeom prst="triangle">
-            <a:avLst/>
-          </a:prstGeom>
-          <a:solidFill>
-            <a:srgbClr val="BF3420"/>
-          </a:solidFill>
-          <a:ln>
-            <a:noFill/>
-          </a:ln>
-        </p:spPr>
-        <p:style>
-          <a:lnRef idx="2">
-            <a:schemeClr val="accent1">
-              <a:shade val="50000"/>
-            </a:schemeClr>
-          </a:lnRef>
-          <a:fillRef idx="1">
-            <a:schemeClr val="accent1"/>
-          </a:fillRef>
-          <a:effectRef idx="0">
-            <a:schemeClr val="accent1"/>
-          </a:effectRef>
-          <a:fontRef idx="minor">
-            <a:schemeClr val="lt1"/>
-          </a:fontRef>
-        </p:style>
-        <p:txBody>
-          <a:bodyPr rtlCol="0" anchor="ctr"/>
-          <a:lstStyle/>
-          <a:p>
-            <a:pPr algn="ctr"/>
-            <a:endParaRPr lang="zh-CN" altLang="en-US"/>
+              <a:t>语言之旅</a:t>
+            </a:r>
           </a:p>
         </p:txBody>
       </p:sp>
@@ -10045,54 +6778,14 @@
       </p:cxnSp>
       <p:sp>
         <p:nvSpPr>
-          <p:cNvPr id="40" name="矩形 39"/>
-          <p:cNvSpPr/>
-          <p:nvPr/>
-        </p:nvSpPr>
-        <p:spPr>
-          <a:xfrm>
-            <a:off x="4647509" y="2529009"/>
-            <a:ext cx="1620182" cy="307777"/>
-          </a:xfrm>
-          <a:prstGeom prst="rect">
-            <a:avLst/>
-          </a:prstGeom>
-        </p:spPr>
-        <p:txBody>
-          <a:bodyPr wrap="square">
-            <a:spAutoFit/>
-          </a:bodyPr>
-          <a:lstStyle/>
-          <a:p>
-            <a:pPr algn="ctr"/>
-            <a:r>
-              <a:rPr lang="en-US" altLang="zh-CN" sz="1400" b="1">
-                <a:solidFill>
-                  <a:schemeClr val="bg1"/>
-                </a:solidFill>
-              </a:rPr>
-              <a:t>Lorem Ipsum</a:t>
-            </a:r>
-            <a:endParaRPr lang="en-US" altLang="zh-CN" sz="1400" b="1" dirty="0">
-              <a:solidFill>
-                <a:schemeClr val="bg1"/>
-              </a:solidFill>
-              <a:latin typeface="+mj-ea"/>
-              <a:ea typeface="+mj-ea"/>
-            </a:endParaRPr>
-          </a:p>
-        </p:txBody>
-      </p:sp>
-      <p:sp>
-        <p:nvSpPr>
-          <p:cNvPr id="42" name="TextBox 41"/>
+          <p:cNvPr id="2" name="TextBox 1"/>
           <p:cNvSpPr txBox="1"/>
           <p:nvPr/>
         </p:nvSpPr>
         <p:spPr>
           <a:xfrm>
-            <a:off x="4413485" y="2851302"/>
-            <a:ext cx="2088231" cy="812530"/>
+            <a:off x="476520" y="1266605"/>
+            <a:ext cx="8235940" cy="646331"/>
           </a:xfrm>
           <a:prstGeom prst="rect">
             <a:avLst/>
@@ -10105,1756 +6798,60 @@
           </a:bodyPr>
           <a:lstStyle/>
           <a:p>
-            <a:pPr algn="ctr">
-              <a:lnSpc>
-                <a:spcPct val="130000"/>
-              </a:lnSpc>
-              <a:spcBef>
-                <a:spcPts val="600"/>
-              </a:spcBef>
+            <a:pPr marL="342900" indent="-342900">
+              <a:buFont typeface="+mj-lt"/>
+              <a:buAutoNum type="arabicPeriod"/>
             </a:pPr>
             <a:r>
-              <a:rPr lang="en-US" altLang="zh-CN" sz="1200">
-                <a:solidFill>
-                  <a:schemeClr val="bg1"/>
-                </a:solidFill>
-              </a:rPr>
-              <a:t>Lorem Ipsum Dolor Sit Er Elit Lamet, Consectetaur Cillium Adipisicing Pecu.</a:t>
-            </a:r>
-            <a:endParaRPr lang="zh-CN" altLang="en-US" sz="1200">
-              <a:solidFill>
-                <a:schemeClr val="bg1"/>
-              </a:solidFill>
-            </a:endParaRPr>
-          </a:p>
-        </p:txBody>
-      </p:sp>
-      <p:sp>
-        <p:nvSpPr>
-          <p:cNvPr id="44" name="矩形 43"/>
-          <p:cNvSpPr/>
-          <p:nvPr/>
-        </p:nvSpPr>
-        <p:spPr>
-          <a:xfrm>
-            <a:off x="4967860" y="1815666"/>
-            <a:ext cx="979479" cy="646331"/>
-          </a:xfrm>
-          <a:prstGeom prst="rect">
-            <a:avLst/>
-          </a:prstGeom>
-        </p:spPr>
-        <p:txBody>
-          <a:bodyPr wrap="square">
-            <a:spAutoFit/>
-          </a:bodyPr>
-          <a:lstStyle/>
-          <a:p>
-            <a:pPr algn="ctr"/>
-            <a:r>
-              <a:rPr lang="en-US" altLang="zh-CN" sz="3600" b="1">
-                <a:solidFill>
-                  <a:schemeClr val="bg1"/>
-                </a:solidFill>
-              </a:rPr>
-              <a:t>03</a:t>
-            </a:r>
-            <a:endParaRPr lang="en-US" altLang="zh-CN" sz="3600" b="1" dirty="0">
-              <a:solidFill>
-                <a:schemeClr val="bg1"/>
-              </a:solidFill>
-              <a:latin typeface="+mj-ea"/>
-              <a:ea typeface="+mj-ea"/>
-            </a:endParaRPr>
-          </a:p>
-        </p:txBody>
-      </p:sp>
-      <p:cxnSp>
-        <p:nvCxnSpPr>
-          <p:cNvPr id="45" name="直接连接符 44"/>
-          <p:cNvCxnSpPr/>
-          <p:nvPr/>
-        </p:nvCxnSpPr>
-        <p:spPr>
-          <a:xfrm>
-            <a:off x="5079558" y="2461997"/>
-            <a:ext cx="756084" cy="0"/>
-          </a:xfrm>
-          <a:prstGeom prst="line">
-            <a:avLst/>
-          </a:prstGeom>
-          <a:ln>
-            <a:solidFill>
-              <a:schemeClr val="bg1"/>
-            </a:solidFill>
-          </a:ln>
-        </p:spPr>
-        <p:style>
-          <a:lnRef idx="1">
-            <a:schemeClr val="accent1"/>
-          </a:lnRef>
-          <a:fillRef idx="0">
-            <a:schemeClr val="accent1"/>
-          </a:fillRef>
-          <a:effectRef idx="0">
-            <a:schemeClr val="accent1"/>
-          </a:effectRef>
-          <a:fontRef idx="minor">
-            <a:schemeClr val="tx1"/>
-          </a:fontRef>
-        </p:style>
-      </p:cxnSp>
-      <p:sp>
-        <p:nvSpPr>
-          <p:cNvPr id="48" name="矩形 47"/>
-          <p:cNvSpPr/>
-          <p:nvPr/>
-        </p:nvSpPr>
-        <p:spPr>
-          <a:xfrm>
-            <a:off x="2870774" y="2193011"/>
-            <a:ext cx="1620182" cy="307777"/>
-          </a:xfrm>
-          <a:prstGeom prst="rect">
-            <a:avLst/>
-          </a:prstGeom>
-        </p:spPr>
-        <p:txBody>
-          <a:bodyPr wrap="square">
-            <a:spAutoFit/>
-          </a:bodyPr>
-          <a:lstStyle/>
-          <a:p>
-            <a:pPr algn="ctr"/>
-            <a:r>
-              <a:rPr lang="en-US" altLang="zh-CN" sz="1400" b="1">
-                <a:solidFill>
-                  <a:schemeClr val="bg1"/>
-                </a:solidFill>
-              </a:rPr>
-              <a:t>Lorem Ipsum</a:t>
-            </a:r>
-            <a:endParaRPr lang="en-US" altLang="zh-CN" sz="1400" b="1" dirty="0">
-              <a:solidFill>
-                <a:schemeClr val="bg1"/>
-              </a:solidFill>
-              <a:latin typeface="+mj-ea"/>
-              <a:ea typeface="+mj-ea"/>
-            </a:endParaRPr>
-          </a:p>
-        </p:txBody>
-      </p:sp>
-      <p:sp>
-        <p:nvSpPr>
-          <p:cNvPr id="49" name="TextBox 48"/>
-          <p:cNvSpPr txBox="1"/>
-          <p:nvPr/>
-        </p:nvSpPr>
-        <p:spPr>
-          <a:xfrm>
-            <a:off x="2636750" y="1383618"/>
-            <a:ext cx="2088231" cy="812530"/>
-          </a:xfrm>
-          <a:prstGeom prst="rect">
-            <a:avLst/>
-          </a:prstGeom>
-          <a:noFill/>
-        </p:spPr>
-        <p:txBody>
-          <a:bodyPr wrap="square" rtlCol="0">
-            <a:spAutoFit/>
-          </a:bodyPr>
-          <a:lstStyle/>
-          <a:p>
-            <a:pPr algn="ctr">
-              <a:lnSpc>
-                <a:spcPct val="130000"/>
-              </a:lnSpc>
-              <a:spcBef>
-                <a:spcPts val="600"/>
-              </a:spcBef>
+              <a:rPr lang="en-US" altLang="zh-CN" dirty="0"/>
+              <a:t>Go web</a:t>
+            </a:r>
+            <a:r>
+              <a:rPr lang="zh-CN" altLang="en-US" dirty="0"/>
+              <a:t>框架</a:t>
+            </a:r>
+            <a:r>
+              <a:rPr lang="en-US" altLang="zh-CN" dirty="0"/>
+              <a:t>i</a:t>
+            </a:r>
+            <a:r>
+              <a:rPr lang="en-US" dirty="0"/>
+              <a:t>ris</a:t>
+            </a:r>
+            <a:r>
+              <a:rPr lang="zh-CN" altLang="en-US" dirty="0"/>
+              <a:t>开发效率很高</a:t>
+            </a:r>
+            <a:endParaRPr lang="en-US" dirty="0"/>
+          </a:p>
+          <a:p>
+            <a:pPr marL="342900" indent="-342900">
+              <a:buFont typeface="+mj-lt"/>
+              <a:buAutoNum type="arabicPeriod"/>
             </a:pPr>
             <a:r>
-              <a:rPr lang="en-US" altLang="zh-CN" sz="1200">
-                <a:solidFill>
-                  <a:schemeClr val="bg1"/>
-                </a:solidFill>
-              </a:rPr>
-              <a:t>Lorem Ipsum Dolor Sit Er Elit Lamet, Consectetaur Cillium Adipisicing Pecu.</a:t>
-            </a:r>
-            <a:endParaRPr lang="zh-CN" altLang="en-US" sz="1200">
-              <a:solidFill>
-                <a:schemeClr val="bg1"/>
-              </a:solidFill>
-            </a:endParaRPr>
-          </a:p>
-        </p:txBody>
-      </p:sp>
-      <p:sp>
-        <p:nvSpPr>
-          <p:cNvPr id="50" name="矩形 49"/>
-          <p:cNvSpPr/>
-          <p:nvPr/>
-        </p:nvSpPr>
-        <p:spPr>
-          <a:xfrm>
-            <a:off x="3191125" y="2607754"/>
-            <a:ext cx="979479" cy="646331"/>
-          </a:xfrm>
-          <a:prstGeom prst="rect">
-            <a:avLst/>
-          </a:prstGeom>
-        </p:spPr>
-        <p:txBody>
-          <a:bodyPr wrap="square">
-            <a:spAutoFit/>
-          </a:bodyPr>
-          <a:lstStyle/>
-          <a:p>
-            <a:pPr algn="ctr"/>
-            <a:r>
-              <a:rPr lang="en-US" altLang="zh-CN" sz="3600" b="1">
-                <a:solidFill>
-                  <a:schemeClr val="bg1"/>
-                </a:solidFill>
-              </a:rPr>
-              <a:t>02</a:t>
-            </a:r>
-            <a:endParaRPr lang="en-US" altLang="zh-CN" sz="3600" b="1" dirty="0">
-              <a:solidFill>
-                <a:schemeClr val="bg1"/>
-              </a:solidFill>
-              <a:latin typeface="+mj-ea"/>
-              <a:ea typeface="+mj-ea"/>
-            </a:endParaRPr>
-          </a:p>
-        </p:txBody>
-      </p:sp>
-      <p:cxnSp>
-        <p:nvCxnSpPr>
-          <p:cNvPr id="52" name="直接连接符 51"/>
-          <p:cNvCxnSpPr/>
-          <p:nvPr/>
-        </p:nvCxnSpPr>
-        <p:spPr>
-          <a:xfrm>
-            <a:off x="3302823" y="2571750"/>
-            <a:ext cx="756084" cy="0"/>
-          </a:xfrm>
-          <a:prstGeom prst="line">
-            <a:avLst/>
-          </a:prstGeom>
-          <a:ln>
-            <a:solidFill>
-              <a:schemeClr val="bg1"/>
-            </a:solidFill>
-          </a:ln>
-        </p:spPr>
-        <p:style>
-          <a:lnRef idx="1">
-            <a:schemeClr val="accent1"/>
-          </a:lnRef>
-          <a:fillRef idx="0">
-            <a:schemeClr val="accent1"/>
-          </a:fillRef>
-          <a:effectRef idx="0">
-            <a:schemeClr val="accent1"/>
-          </a:effectRef>
-          <a:fontRef idx="minor">
-            <a:schemeClr val="tx1"/>
-          </a:fontRef>
-        </p:style>
-      </p:cxnSp>
-      <p:sp>
-        <p:nvSpPr>
-          <p:cNvPr id="53" name="矩形 52"/>
-          <p:cNvSpPr/>
-          <p:nvPr/>
-        </p:nvSpPr>
-        <p:spPr>
-          <a:xfrm>
-            <a:off x="6424243" y="2193011"/>
-            <a:ext cx="1620182" cy="307777"/>
-          </a:xfrm>
-          <a:prstGeom prst="rect">
-            <a:avLst/>
-          </a:prstGeom>
-        </p:spPr>
-        <p:txBody>
-          <a:bodyPr wrap="square">
-            <a:spAutoFit/>
-          </a:bodyPr>
-          <a:lstStyle/>
-          <a:p>
-            <a:pPr algn="ctr"/>
-            <a:r>
-              <a:rPr lang="en-US" altLang="zh-CN" sz="1400" b="1">
-                <a:solidFill>
-                  <a:schemeClr val="bg1"/>
-                </a:solidFill>
-              </a:rPr>
-              <a:t>Lorem Ipsum</a:t>
-            </a:r>
-            <a:endParaRPr lang="en-US" altLang="zh-CN" sz="1400" b="1" dirty="0">
-              <a:solidFill>
-                <a:schemeClr val="bg1"/>
-              </a:solidFill>
-              <a:latin typeface="+mj-ea"/>
-              <a:ea typeface="+mj-ea"/>
-            </a:endParaRPr>
-          </a:p>
-        </p:txBody>
-      </p:sp>
-      <p:sp>
-        <p:nvSpPr>
-          <p:cNvPr id="54" name="TextBox 53"/>
-          <p:cNvSpPr txBox="1"/>
-          <p:nvPr/>
-        </p:nvSpPr>
-        <p:spPr>
-          <a:xfrm>
-            <a:off x="6190219" y="1383618"/>
-            <a:ext cx="2088231" cy="812530"/>
-          </a:xfrm>
-          <a:prstGeom prst="rect">
-            <a:avLst/>
-          </a:prstGeom>
-          <a:noFill/>
-        </p:spPr>
-        <p:txBody>
-          <a:bodyPr wrap="square" rtlCol="0">
-            <a:spAutoFit/>
-          </a:bodyPr>
-          <a:lstStyle/>
-          <a:p>
-            <a:pPr algn="ctr">
-              <a:lnSpc>
-                <a:spcPct val="130000"/>
-              </a:lnSpc>
-              <a:spcBef>
-                <a:spcPts val="600"/>
-              </a:spcBef>
-            </a:pPr>
-            <a:r>
-              <a:rPr lang="en-US" altLang="zh-CN" sz="1200">
-                <a:solidFill>
-                  <a:schemeClr val="bg1"/>
-                </a:solidFill>
-              </a:rPr>
-              <a:t>Lorem Ipsum Dolor Sit Er Elit Lamet, Consectetaur Cillium Adipisicing Pecu.</a:t>
-            </a:r>
-            <a:endParaRPr lang="zh-CN" altLang="en-US" sz="1200">
-              <a:solidFill>
-                <a:schemeClr val="bg1"/>
-              </a:solidFill>
-            </a:endParaRPr>
-          </a:p>
-        </p:txBody>
-      </p:sp>
-      <p:sp>
-        <p:nvSpPr>
-          <p:cNvPr id="55" name="矩形 54"/>
-          <p:cNvSpPr/>
-          <p:nvPr/>
-        </p:nvSpPr>
-        <p:spPr>
-          <a:xfrm>
-            <a:off x="6744594" y="2607754"/>
-            <a:ext cx="979479" cy="646331"/>
-          </a:xfrm>
-          <a:prstGeom prst="rect">
-            <a:avLst/>
-          </a:prstGeom>
-        </p:spPr>
-        <p:txBody>
-          <a:bodyPr wrap="square">
-            <a:spAutoFit/>
-          </a:bodyPr>
-          <a:lstStyle/>
-          <a:p>
-            <a:pPr algn="ctr"/>
-            <a:r>
-              <a:rPr lang="en-US" altLang="zh-CN" sz="3600" b="1">
-                <a:solidFill>
-                  <a:schemeClr val="bg1"/>
-                </a:solidFill>
-              </a:rPr>
-              <a:t>04</a:t>
-            </a:r>
-            <a:endParaRPr lang="en-US" altLang="zh-CN" sz="3600" b="1" dirty="0">
-              <a:solidFill>
-                <a:schemeClr val="bg1"/>
-              </a:solidFill>
-              <a:latin typeface="+mj-ea"/>
-              <a:ea typeface="+mj-ea"/>
-            </a:endParaRPr>
-          </a:p>
-        </p:txBody>
-      </p:sp>
-      <p:cxnSp>
-        <p:nvCxnSpPr>
-          <p:cNvPr id="56" name="直接连接符 55"/>
-          <p:cNvCxnSpPr/>
-          <p:nvPr/>
-        </p:nvCxnSpPr>
-        <p:spPr>
-          <a:xfrm>
-            <a:off x="6856292" y="2571750"/>
-            <a:ext cx="756084" cy="0"/>
-          </a:xfrm>
-          <a:prstGeom prst="line">
-            <a:avLst/>
-          </a:prstGeom>
-          <a:ln>
-            <a:solidFill>
-              <a:schemeClr val="bg1"/>
-            </a:solidFill>
-          </a:ln>
-        </p:spPr>
-        <p:style>
-          <a:lnRef idx="1">
-            <a:schemeClr val="accent1"/>
-          </a:lnRef>
-          <a:fillRef idx="0">
-            <a:schemeClr val="accent1"/>
-          </a:fillRef>
-          <a:effectRef idx="0">
-            <a:schemeClr val="accent1"/>
-          </a:effectRef>
-          <a:fontRef idx="minor">
-            <a:schemeClr val="tx1"/>
-          </a:fontRef>
-        </p:style>
-      </p:cxnSp>
+              <a:rPr lang="zh-CN" altLang="en-US" dirty="0"/>
+              <a:t>不习惯没有用到的变量、没有使用到的</a:t>
+            </a:r>
+            <a:r>
+              <a:rPr lang="en-US" altLang="zh-CN" dirty="0"/>
+              <a:t>import</a:t>
+            </a:r>
+            <a:r>
+              <a:rPr lang="zh-CN" altLang="en-US" dirty="0"/>
+              <a:t>的包会报</a:t>
+            </a:r>
+            <a:r>
+              <a:rPr lang="en-US" altLang="zh-CN"/>
+              <a:t>error</a:t>
+            </a:r>
+          </a:p>
+        </p:txBody>
+      </p:sp>
     </p:spTree>
     <p:extLst>
       <p:ext uri="{BB962C8B-B14F-4D97-AF65-F5344CB8AC3E}">
         <p14:creationId xmlns:p14="http://schemas.microsoft.com/office/powerpoint/2010/main" val="3938172371"/>
-      </p:ext>
-    </p:extLst>
-  </p:cSld>
-  <p:clrMapOvr>
-    <a:masterClrMapping/>
-  </p:clrMapOvr>
-  <p:transition spd="slow">
-    <p:push dir="u"/>
-  </p:transition>
-</p:sld>
-</file>
-
-<file path=ppt/slides/slide16.xml><?xml version="1.0" encoding="utf-8"?>
-<p:sld xmlns:a="http://schemas.openxmlformats.org/drawingml/2006/main" xmlns:r="http://schemas.openxmlformats.org/officeDocument/2006/relationships" xmlns:p="http://schemas.openxmlformats.org/presentationml/2006/main">
-  <p:cSld>
-    <p:spTree>
-      <p:nvGrpSpPr>
-        <p:cNvPr id="1" name=""/>
-        <p:cNvGrpSpPr/>
-        <p:nvPr/>
-      </p:nvGrpSpPr>
-      <p:grpSpPr>
-        <a:xfrm>
-          <a:off x="0" y="0"/>
-          <a:ext cx="0" cy="0"/>
-          <a:chOff x="0" y="0"/>
-          <a:chExt cx="0" cy="0"/>
-        </a:xfrm>
-      </p:grpSpPr>
-      <p:sp>
-        <p:nvSpPr>
-          <p:cNvPr id="7" name="TextBox 6"/>
-          <p:cNvSpPr txBox="1"/>
-          <p:nvPr/>
-        </p:nvSpPr>
-        <p:spPr>
-          <a:xfrm>
-            <a:off x="476520" y="96475"/>
-            <a:ext cx="3870455" cy="400110"/>
-          </a:xfrm>
-          <a:prstGeom prst="rect">
-            <a:avLst/>
-          </a:prstGeom>
-          <a:noFill/>
-        </p:spPr>
-        <p:txBody>
-          <a:bodyPr wrap="square" rtlCol="0">
-            <a:spAutoFit/>
-          </a:bodyPr>
-          <a:lstStyle/>
-          <a:p>
-            <a:r>
-              <a:rPr lang="en-US" altLang="zh-CN" sz="2000" dirty="0">
-                <a:solidFill>
-                  <a:schemeClr val="tx1">
-                    <a:lumMod val="85000"/>
-                    <a:lumOff val="15000"/>
-                  </a:schemeClr>
-                </a:solidFill>
-                <a:latin typeface="Impact" pitchFamily="34" charset="0"/>
-                <a:ea typeface="+mj-ea"/>
-              </a:rPr>
-              <a:t>INPUT YOUR GOOD IDEAS HERE</a:t>
-            </a:r>
-            <a:endParaRPr lang="zh-CN" altLang="en-US" sz="2000" dirty="0">
-              <a:solidFill>
-                <a:schemeClr val="tx1">
-                  <a:lumMod val="85000"/>
-                  <a:lumOff val="15000"/>
-                </a:schemeClr>
-              </a:solidFill>
-              <a:latin typeface="Impact" pitchFamily="34" charset="0"/>
-              <a:ea typeface="+mj-ea"/>
-            </a:endParaRPr>
-          </a:p>
-        </p:txBody>
-      </p:sp>
-      <p:sp>
-        <p:nvSpPr>
-          <p:cNvPr id="12" name="矩形 11"/>
-          <p:cNvSpPr/>
-          <p:nvPr/>
-        </p:nvSpPr>
-        <p:spPr>
-          <a:xfrm>
-            <a:off x="476520" y="430384"/>
-            <a:ext cx="3870455" cy="246221"/>
-          </a:xfrm>
-          <a:prstGeom prst="rect">
-            <a:avLst/>
-          </a:prstGeom>
-        </p:spPr>
-        <p:txBody>
-          <a:bodyPr wrap="square">
-            <a:spAutoFit/>
-          </a:bodyPr>
-          <a:lstStyle/>
-          <a:p>
-            <a:r>
-              <a:rPr lang="en-US" altLang="zh-CN" sz="1000">
-                <a:solidFill>
-                  <a:schemeClr val="tx1">
-                    <a:lumMod val="50000"/>
-                    <a:lumOff val="50000"/>
-                  </a:schemeClr>
-                </a:solidFill>
-              </a:rPr>
-              <a:t>Always believe that something wonderful is about to happen.</a:t>
-            </a:r>
-            <a:endParaRPr lang="zh-CN" altLang="en-US" sz="1000" dirty="0">
-              <a:solidFill>
-                <a:schemeClr val="tx1">
-                  <a:lumMod val="50000"/>
-                  <a:lumOff val="50000"/>
-                </a:schemeClr>
-              </a:solidFill>
-            </a:endParaRPr>
-          </a:p>
-        </p:txBody>
-      </p:sp>
-      <p:pic>
-        <p:nvPicPr>
-          <p:cNvPr id="25" name="Picture 2" descr="C:\Documents and Settings\Administrator\桌面\高清配图\高清图片01\21.jpg"/>
-          <p:cNvPicPr>
-            <a:picLocks noChangeAspect="1" noChangeArrowheads="1"/>
-          </p:cNvPicPr>
-          <p:nvPr/>
-        </p:nvPicPr>
-        <p:blipFill rotWithShape="1">
-          <a:blip r:embed="rId2" cstate="print">
-            <a:extLst>
-              <a:ext uri="{28A0092B-C50C-407E-A947-70E740481C1C}">
-                <a14:useLocalDpi xmlns:a14="http://schemas.microsoft.com/office/drawing/2010/main" val="0"/>
-              </a:ext>
-            </a:extLst>
-          </a:blip>
-          <a:srcRect l="12678" r="387"/>
-          <a:stretch/>
-        </p:blipFill>
-        <p:spPr bwMode="auto">
-          <a:xfrm>
-            <a:off x="3145791" y="1041580"/>
-            <a:ext cx="1734459" cy="1495470"/>
-          </a:xfrm>
-          <a:prstGeom prst="rect">
-            <a:avLst/>
-          </a:prstGeom>
-          <a:noFill/>
-          <a:effectLst/>
-          <a:extLst>
-            <a:ext uri="{909E8E84-426E-40DD-AFC4-6F175D3DCCD1}">
-              <a14:hiddenFill xmlns:a14="http://schemas.microsoft.com/office/drawing/2010/main">
-                <a:solidFill>
-                  <a:srgbClr val="FFFFFF"/>
-                </a:solidFill>
-              </a14:hiddenFill>
-            </a:ext>
-          </a:extLst>
-        </p:spPr>
-      </p:pic>
-      <p:pic>
-        <p:nvPicPr>
-          <p:cNvPr id="26" name="Picture 3" descr="C:\Documents and Settings\Administrator\桌面\高清配图\高清图片01\20.jpg"/>
-          <p:cNvPicPr>
-            <a:picLocks noChangeAspect="1" noChangeArrowheads="1"/>
-          </p:cNvPicPr>
-          <p:nvPr/>
-        </p:nvPicPr>
-        <p:blipFill rotWithShape="1">
-          <a:blip r:embed="rId3" cstate="print">
-            <a:extLst>
-              <a:ext uri="{28A0092B-C50C-407E-A947-70E740481C1C}">
-                <a14:useLocalDpi xmlns:a14="http://schemas.microsoft.com/office/drawing/2010/main" val="0"/>
-              </a:ext>
-            </a:extLst>
-          </a:blip>
-          <a:srcRect r="13392"/>
-          <a:stretch/>
-        </p:blipFill>
-        <p:spPr bwMode="auto">
-          <a:xfrm>
-            <a:off x="5070029" y="1041580"/>
-            <a:ext cx="1727952" cy="1495470"/>
-          </a:xfrm>
-          <a:prstGeom prst="rect">
-            <a:avLst/>
-          </a:prstGeom>
-          <a:noFill/>
-          <a:effectLst/>
-          <a:extLst>
-            <a:ext uri="{909E8E84-426E-40DD-AFC4-6F175D3DCCD1}">
-              <a14:hiddenFill xmlns:a14="http://schemas.microsoft.com/office/drawing/2010/main">
-                <a:solidFill>
-                  <a:srgbClr val="FFFFFF"/>
-                </a:solidFill>
-              </a14:hiddenFill>
-            </a:ext>
-          </a:extLst>
-        </p:spPr>
-      </p:pic>
-      <p:pic>
-        <p:nvPicPr>
-          <p:cNvPr id="27" name="Picture 6" descr="C:\Documents and Settings\Administrator\桌面\高清配图\高清图片01\22.jpg"/>
-          <p:cNvPicPr>
-            <a:picLocks noChangeAspect="1" noChangeArrowheads="1"/>
-          </p:cNvPicPr>
-          <p:nvPr/>
-        </p:nvPicPr>
-        <p:blipFill rotWithShape="1">
-          <a:blip r:embed="rId4" cstate="print">
-            <a:extLst>
-              <a:ext uri="{28A0092B-C50C-407E-A947-70E740481C1C}">
-                <a14:useLocalDpi xmlns:a14="http://schemas.microsoft.com/office/drawing/2010/main" val="0"/>
-              </a:ext>
-            </a:extLst>
-          </a:blip>
-          <a:srcRect l="4033" r="9358"/>
-          <a:stretch/>
-        </p:blipFill>
-        <p:spPr bwMode="auto">
-          <a:xfrm>
-            <a:off x="6984508" y="1041580"/>
-            <a:ext cx="1727952" cy="1495470"/>
-          </a:xfrm>
-          <a:prstGeom prst="rect">
-            <a:avLst/>
-          </a:prstGeom>
-          <a:noFill/>
-          <a:effectLst/>
-          <a:extLst>
-            <a:ext uri="{909E8E84-426E-40DD-AFC4-6F175D3DCCD1}">
-              <a14:hiddenFill xmlns:a14="http://schemas.microsoft.com/office/drawing/2010/main">
-                <a:solidFill>
-                  <a:srgbClr val="FFFFFF"/>
-                </a:solidFill>
-              </a14:hiddenFill>
-            </a:ext>
-          </a:extLst>
-        </p:spPr>
-      </p:pic>
-      <p:sp>
-        <p:nvSpPr>
-          <p:cNvPr id="37" name="矩形 36"/>
-          <p:cNvSpPr/>
-          <p:nvPr/>
-        </p:nvSpPr>
-        <p:spPr>
-          <a:xfrm>
-            <a:off x="3145791" y="2796775"/>
-            <a:ext cx="1734459" cy="307777"/>
-          </a:xfrm>
-          <a:prstGeom prst="rect">
-            <a:avLst/>
-          </a:prstGeom>
-        </p:spPr>
-        <p:txBody>
-          <a:bodyPr wrap="square">
-            <a:spAutoFit/>
-          </a:bodyPr>
-          <a:lstStyle/>
-          <a:p>
-            <a:pPr algn="ctr"/>
-            <a:r>
-              <a:rPr lang="en-US" altLang="zh-CN" sz="1400" b="1">
-                <a:solidFill>
-                  <a:srgbClr val="BF3420"/>
-                </a:solidFill>
-              </a:rPr>
-              <a:t>Lorem Ipsum</a:t>
-            </a:r>
-            <a:endParaRPr lang="en-US" altLang="zh-CN" sz="1400" b="1" dirty="0">
-              <a:solidFill>
-                <a:srgbClr val="BF3420"/>
-              </a:solidFill>
-              <a:latin typeface="+mj-ea"/>
-              <a:ea typeface="+mj-ea"/>
-            </a:endParaRPr>
-          </a:p>
-        </p:txBody>
-      </p:sp>
-      <p:sp>
-        <p:nvSpPr>
-          <p:cNvPr id="41" name="TextBox 40"/>
-          <p:cNvSpPr txBox="1"/>
-          <p:nvPr/>
-        </p:nvSpPr>
-        <p:spPr>
-          <a:xfrm>
-            <a:off x="3145791" y="3156815"/>
-            <a:ext cx="1734459" cy="1052596"/>
-          </a:xfrm>
-          <a:prstGeom prst="rect">
-            <a:avLst/>
-          </a:prstGeom>
-          <a:noFill/>
-        </p:spPr>
-        <p:txBody>
-          <a:bodyPr wrap="square" rtlCol="0">
-            <a:spAutoFit/>
-          </a:bodyPr>
-          <a:lstStyle/>
-          <a:p>
-            <a:pPr algn="ctr">
-              <a:lnSpc>
-                <a:spcPct val="130000"/>
-              </a:lnSpc>
-              <a:spcBef>
-                <a:spcPts val="600"/>
-              </a:spcBef>
-            </a:pPr>
-            <a:r>
-              <a:rPr lang="en-US" altLang="zh-CN" sz="1200">
-                <a:solidFill>
-                  <a:schemeClr val="tx1">
-                    <a:lumMod val="65000"/>
-                    <a:lumOff val="35000"/>
-                  </a:schemeClr>
-                </a:solidFill>
-              </a:rPr>
-              <a:t>Lorem Ipsum Dolor Sit Er Elit Lamet, Consectetaur Cillium Adipisicing Pecu.</a:t>
-            </a:r>
-            <a:endParaRPr lang="zh-CN" altLang="en-US" sz="1200">
-              <a:solidFill>
-                <a:schemeClr val="tx1">
-                  <a:lumMod val="65000"/>
-                  <a:lumOff val="35000"/>
-                </a:schemeClr>
-              </a:solidFill>
-            </a:endParaRPr>
-          </a:p>
-        </p:txBody>
-      </p:sp>
-      <p:sp>
-        <p:nvSpPr>
-          <p:cNvPr id="43" name="矩形 42"/>
-          <p:cNvSpPr/>
-          <p:nvPr/>
-        </p:nvSpPr>
-        <p:spPr>
-          <a:xfrm>
-            <a:off x="5063522" y="2796775"/>
-            <a:ext cx="1734459" cy="307777"/>
-          </a:xfrm>
-          <a:prstGeom prst="rect">
-            <a:avLst/>
-          </a:prstGeom>
-        </p:spPr>
-        <p:txBody>
-          <a:bodyPr wrap="square">
-            <a:spAutoFit/>
-          </a:bodyPr>
-          <a:lstStyle/>
-          <a:p>
-            <a:pPr algn="ctr"/>
-            <a:r>
-              <a:rPr lang="en-US" altLang="zh-CN" sz="1400" b="1">
-                <a:solidFill>
-                  <a:srgbClr val="BF3420"/>
-                </a:solidFill>
-              </a:rPr>
-              <a:t>Lorem Ipsum</a:t>
-            </a:r>
-            <a:endParaRPr lang="en-US" altLang="zh-CN" sz="1400" b="1" dirty="0">
-              <a:solidFill>
-                <a:srgbClr val="BF3420"/>
-              </a:solidFill>
-              <a:latin typeface="+mj-ea"/>
-              <a:ea typeface="+mj-ea"/>
-            </a:endParaRPr>
-          </a:p>
-        </p:txBody>
-      </p:sp>
-      <p:sp>
-        <p:nvSpPr>
-          <p:cNvPr id="46" name="TextBox 45"/>
-          <p:cNvSpPr txBox="1"/>
-          <p:nvPr/>
-        </p:nvSpPr>
-        <p:spPr>
-          <a:xfrm>
-            <a:off x="5063522" y="3156815"/>
-            <a:ext cx="1734459" cy="1052596"/>
-          </a:xfrm>
-          <a:prstGeom prst="rect">
-            <a:avLst/>
-          </a:prstGeom>
-          <a:noFill/>
-        </p:spPr>
-        <p:txBody>
-          <a:bodyPr wrap="square" rtlCol="0">
-            <a:spAutoFit/>
-          </a:bodyPr>
-          <a:lstStyle/>
-          <a:p>
-            <a:pPr algn="ctr">
-              <a:lnSpc>
-                <a:spcPct val="130000"/>
-              </a:lnSpc>
-              <a:spcBef>
-                <a:spcPts val="600"/>
-              </a:spcBef>
-            </a:pPr>
-            <a:r>
-              <a:rPr lang="en-US" altLang="zh-CN" sz="1200">
-                <a:solidFill>
-                  <a:schemeClr val="tx1">
-                    <a:lumMod val="65000"/>
-                    <a:lumOff val="35000"/>
-                  </a:schemeClr>
-                </a:solidFill>
-              </a:rPr>
-              <a:t>Lorem Ipsum Dolor Sit Er Elit Lamet, Consectetaur Cillium Adipisicing Pecu.</a:t>
-            </a:r>
-            <a:endParaRPr lang="zh-CN" altLang="en-US" sz="1200">
-              <a:solidFill>
-                <a:schemeClr val="tx1">
-                  <a:lumMod val="65000"/>
-                  <a:lumOff val="35000"/>
-                </a:schemeClr>
-              </a:solidFill>
-            </a:endParaRPr>
-          </a:p>
-        </p:txBody>
-      </p:sp>
-      <p:sp>
-        <p:nvSpPr>
-          <p:cNvPr id="47" name="矩形 46"/>
-          <p:cNvSpPr/>
-          <p:nvPr/>
-        </p:nvSpPr>
-        <p:spPr>
-          <a:xfrm>
-            <a:off x="6978000" y="2796775"/>
-            <a:ext cx="1734459" cy="307777"/>
-          </a:xfrm>
-          <a:prstGeom prst="rect">
-            <a:avLst/>
-          </a:prstGeom>
-        </p:spPr>
-        <p:txBody>
-          <a:bodyPr wrap="square">
-            <a:spAutoFit/>
-          </a:bodyPr>
-          <a:lstStyle/>
-          <a:p>
-            <a:pPr algn="ctr"/>
-            <a:r>
-              <a:rPr lang="en-US" altLang="zh-CN" sz="1400" b="1">
-                <a:solidFill>
-                  <a:srgbClr val="BF3420"/>
-                </a:solidFill>
-              </a:rPr>
-              <a:t>Lorem Ipsum</a:t>
-            </a:r>
-            <a:endParaRPr lang="en-US" altLang="zh-CN" sz="1400" b="1" dirty="0">
-              <a:solidFill>
-                <a:srgbClr val="BF3420"/>
-              </a:solidFill>
-              <a:latin typeface="+mj-ea"/>
-              <a:ea typeface="+mj-ea"/>
-            </a:endParaRPr>
-          </a:p>
-        </p:txBody>
-      </p:sp>
-      <p:sp>
-        <p:nvSpPr>
-          <p:cNvPr id="51" name="TextBox 50"/>
-          <p:cNvSpPr txBox="1"/>
-          <p:nvPr/>
-        </p:nvSpPr>
-        <p:spPr>
-          <a:xfrm>
-            <a:off x="6978000" y="3156815"/>
-            <a:ext cx="1734459" cy="1052596"/>
-          </a:xfrm>
-          <a:prstGeom prst="rect">
-            <a:avLst/>
-          </a:prstGeom>
-          <a:noFill/>
-        </p:spPr>
-        <p:txBody>
-          <a:bodyPr wrap="square" rtlCol="0">
-            <a:spAutoFit/>
-          </a:bodyPr>
-          <a:lstStyle/>
-          <a:p>
-            <a:pPr algn="ctr">
-              <a:lnSpc>
-                <a:spcPct val="130000"/>
-              </a:lnSpc>
-              <a:spcBef>
-                <a:spcPts val="600"/>
-              </a:spcBef>
-            </a:pPr>
-            <a:r>
-              <a:rPr lang="en-US" altLang="zh-CN" sz="1200">
-                <a:solidFill>
-                  <a:schemeClr val="tx1">
-                    <a:lumMod val="65000"/>
-                    <a:lumOff val="35000"/>
-                  </a:schemeClr>
-                </a:solidFill>
-              </a:rPr>
-              <a:t>Lorem Ipsum Dolor Sit Er Elit Lamet, Consectetaur Cillium Adipisicing Pecu.</a:t>
-            </a:r>
-            <a:endParaRPr lang="zh-CN" altLang="en-US" sz="1200">
-              <a:solidFill>
-                <a:schemeClr val="tx1">
-                  <a:lumMod val="65000"/>
-                  <a:lumOff val="35000"/>
-                </a:schemeClr>
-              </a:solidFill>
-            </a:endParaRPr>
-          </a:p>
-        </p:txBody>
-      </p:sp>
-      <p:sp>
-        <p:nvSpPr>
-          <p:cNvPr id="57" name="矩形 56"/>
-          <p:cNvSpPr/>
-          <p:nvPr/>
-        </p:nvSpPr>
-        <p:spPr>
-          <a:xfrm>
-            <a:off x="431541" y="1041580"/>
-            <a:ext cx="2340258" cy="307296"/>
-          </a:xfrm>
-          <a:prstGeom prst="rect">
-            <a:avLst/>
-          </a:prstGeom>
-          <a:solidFill>
-            <a:srgbClr val="BF3420"/>
-          </a:solidFill>
-          <a:ln>
-            <a:noFill/>
-          </a:ln>
-        </p:spPr>
-        <p:style>
-          <a:lnRef idx="2">
-            <a:schemeClr val="accent1">
-              <a:shade val="50000"/>
-            </a:schemeClr>
-          </a:lnRef>
-          <a:fillRef idx="1">
-            <a:schemeClr val="accent1"/>
-          </a:fillRef>
-          <a:effectRef idx="0">
-            <a:schemeClr val="accent1"/>
-          </a:effectRef>
-          <a:fontRef idx="minor">
-            <a:schemeClr val="lt1"/>
-          </a:fontRef>
-        </p:style>
-        <p:txBody>
-          <a:bodyPr rtlCol="0" anchor="ctr"/>
-          <a:lstStyle/>
-          <a:p>
-            <a:r>
-              <a:rPr lang="en-US" altLang="zh-CN" sz="1400" b="1">
-                <a:solidFill>
-                  <a:schemeClr val="bg1"/>
-                </a:solidFill>
-              </a:rPr>
-              <a:t>Lorem Ipsum Dolor Sit</a:t>
-            </a:r>
-            <a:endParaRPr lang="en-US" altLang="zh-CN" sz="1400" b="1" dirty="0">
-              <a:solidFill>
-                <a:schemeClr val="bg1"/>
-              </a:solidFill>
-              <a:latin typeface="+mj-ea"/>
-            </a:endParaRPr>
-          </a:p>
-        </p:txBody>
-      </p:sp>
-      <p:sp>
-        <p:nvSpPr>
-          <p:cNvPr id="58" name="矩形 57"/>
-          <p:cNvSpPr/>
-          <p:nvPr/>
-        </p:nvSpPr>
-        <p:spPr>
-          <a:xfrm>
-            <a:off x="431540" y="1399703"/>
-            <a:ext cx="2340259" cy="1107996"/>
-          </a:xfrm>
-          <a:prstGeom prst="rect">
-            <a:avLst/>
-          </a:prstGeom>
-        </p:spPr>
-        <p:txBody>
-          <a:bodyPr wrap="square">
-            <a:spAutoFit/>
-          </a:bodyPr>
-          <a:lstStyle/>
-          <a:p>
-            <a:pPr>
-              <a:lnSpc>
-                <a:spcPct val="150000"/>
-              </a:lnSpc>
-            </a:pPr>
-            <a:r>
-              <a:rPr lang="en-US" altLang="zh-CN" sz="1100" err="1">
-                <a:solidFill>
-                  <a:schemeClr val="tx1">
-                    <a:lumMod val="65000"/>
-                    <a:lumOff val="35000"/>
-                  </a:schemeClr>
-                </a:solidFill>
-                <a:latin typeface="+mn-ea"/>
-              </a:rPr>
-              <a:t>Lorem</a:t>
-            </a:r>
-            <a:r>
-              <a:rPr lang="en-US" altLang="zh-CN" sz="1100">
-                <a:solidFill>
-                  <a:schemeClr val="tx1">
-                    <a:lumMod val="65000"/>
-                    <a:lumOff val="35000"/>
-                  </a:schemeClr>
-                </a:solidFill>
-                <a:latin typeface="+mn-ea"/>
-              </a:rPr>
-              <a:t> </a:t>
-            </a:r>
-            <a:r>
-              <a:rPr lang="en-US" altLang="zh-CN" sz="1100" err="1">
-                <a:solidFill>
-                  <a:schemeClr val="tx1">
-                    <a:lumMod val="65000"/>
-                    <a:lumOff val="35000"/>
-                  </a:schemeClr>
-                </a:solidFill>
-                <a:latin typeface="+mn-ea"/>
-              </a:rPr>
-              <a:t>Ipsum</a:t>
-            </a:r>
-            <a:r>
-              <a:rPr lang="en-US" altLang="zh-CN" sz="1100">
-                <a:solidFill>
-                  <a:schemeClr val="tx1">
-                    <a:lumMod val="65000"/>
-                    <a:lumOff val="35000"/>
-                  </a:schemeClr>
-                </a:solidFill>
-                <a:latin typeface="+mn-ea"/>
-              </a:rPr>
-              <a:t> Dolor Sit </a:t>
-            </a:r>
-            <a:r>
-              <a:rPr lang="en-US" altLang="zh-CN" sz="1100" err="1">
-                <a:solidFill>
-                  <a:schemeClr val="tx1">
-                    <a:lumMod val="65000"/>
-                    <a:lumOff val="35000"/>
-                  </a:schemeClr>
-                </a:solidFill>
-                <a:latin typeface="+mn-ea"/>
-              </a:rPr>
-              <a:t>Er</a:t>
-            </a:r>
-            <a:r>
-              <a:rPr lang="en-US" altLang="zh-CN" sz="1100">
-                <a:solidFill>
-                  <a:schemeClr val="tx1">
-                    <a:lumMod val="65000"/>
-                    <a:lumOff val="35000"/>
-                  </a:schemeClr>
-                </a:solidFill>
-                <a:latin typeface="+mn-ea"/>
-              </a:rPr>
-              <a:t> </a:t>
-            </a:r>
-            <a:r>
-              <a:rPr lang="en-US" altLang="zh-CN" sz="1100" err="1">
-                <a:solidFill>
-                  <a:schemeClr val="tx1">
-                    <a:lumMod val="65000"/>
-                    <a:lumOff val="35000"/>
-                  </a:schemeClr>
-                </a:solidFill>
-                <a:latin typeface="+mn-ea"/>
-              </a:rPr>
-              <a:t>Elit</a:t>
-            </a:r>
-            <a:r>
-              <a:rPr lang="en-US" altLang="zh-CN" sz="1100">
-                <a:solidFill>
-                  <a:schemeClr val="tx1">
-                    <a:lumMod val="65000"/>
-                    <a:lumOff val="35000"/>
-                  </a:schemeClr>
-                </a:solidFill>
-                <a:latin typeface="+mn-ea"/>
-              </a:rPr>
-              <a:t> </a:t>
-            </a:r>
-            <a:r>
-              <a:rPr lang="en-US" altLang="zh-CN" sz="1100" err="1">
-                <a:solidFill>
-                  <a:schemeClr val="tx1">
-                    <a:lumMod val="65000"/>
-                    <a:lumOff val="35000"/>
-                  </a:schemeClr>
-                </a:solidFill>
-                <a:latin typeface="+mn-ea"/>
-              </a:rPr>
-              <a:t>Lamet</a:t>
-            </a:r>
-            <a:r>
-              <a:rPr lang="en-US" altLang="zh-CN" sz="1100">
-                <a:solidFill>
-                  <a:schemeClr val="tx1">
-                    <a:lumMod val="65000"/>
-                    <a:lumOff val="35000"/>
-                  </a:schemeClr>
-                </a:solidFill>
-                <a:latin typeface="+mn-ea"/>
-              </a:rPr>
-              <a:t>, </a:t>
-            </a:r>
-            <a:r>
-              <a:rPr lang="en-US" altLang="zh-CN" sz="1100" err="1">
-                <a:solidFill>
-                  <a:schemeClr val="tx1">
-                    <a:lumMod val="65000"/>
-                    <a:lumOff val="35000"/>
-                  </a:schemeClr>
-                </a:solidFill>
-                <a:latin typeface="+mn-ea"/>
-              </a:rPr>
-              <a:t>Consectetaur</a:t>
-            </a:r>
-            <a:r>
-              <a:rPr lang="en-US" altLang="zh-CN" sz="1100">
-                <a:solidFill>
-                  <a:schemeClr val="tx1">
-                    <a:lumMod val="65000"/>
-                    <a:lumOff val="35000"/>
-                  </a:schemeClr>
-                </a:solidFill>
-                <a:latin typeface="+mn-ea"/>
-              </a:rPr>
-              <a:t> </a:t>
-            </a:r>
-            <a:r>
-              <a:rPr lang="en-US" altLang="zh-CN" sz="1100" err="1">
-                <a:solidFill>
-                  <a:schemeClr val="tx1">
-                    <a:lumMod val="65000"/>
-                    <a:lumOff val="35000"/>
-                  </a:schemeClr>
-                </a:solidFill>
-                <a:latin typeface="+mn-ea"/>
-              </a:rPr>
-              <a:t>Cillium</a:t>
-            </a:r>
-            <a:r>
-              <a:rPr lang="en-US" altLang="zh-CN" sz="1100">
-                <a:solidFill>
-                  <a:schemeClr val="tx1">
-                    <a:lumMod val="65000"/>
-                    <a:lumOff val="35000"/>
-                  </a:schemeClr>
-                </a:solidFill>
-                <a:latin typeface="+mn-ea"/>
-              </a:rPr>
-              <a:t> </a:t>
-            </a:r>
-            <a:r>
-              <a:rPr lang="en-US" altLang="zh-CN" sz="1100" err="1">
-                <a:solidFill>
-                  <a:schemeClr val="tx1">
-                    <a:lumMod val="65000"/>
-                    <a:lumOff val="35000"/>
-                  </a:schemeClr>
-                </a:solidFill>
-                <a:latin typeface="+mn-ea"/>
-              </a:rPr>
-              <a:t>Adipisicing</a:t>
-            </a:r>
-            <a:r>
-              <a:rPr lang="en-US" altLang="zh-CN" sz="1100">
-                <a:solidFill>
-                  <a:schemeClr val="tx1">
-                    <a:lumMod val="65000"/>
-                    <a:lumOff val="35000"/>
-                  </a:schemeClr>
-                </a:solidFill>
-                <a:latin typeface="+mn-ea"/>
-              </a:rPr>
-              <a:t> </a:t>
-            </a:r>
-            <a:r>
-              <a:rPr lang="en-US" altLang="zh-CN" sz="1100" err="1">
-                <a:solidFill>
-                  <a:schemeClr val="tx1">
-                    <a:lumMod val="65000"/>
-                    <a:lumOff val="35000"/>
-                  </a:schemeClr>
-                </a:solidFill>
-                <a:latin typeface="+mn-ea"/>
-              </a:rPr>
-              <a:t>Pecu</a:t>
-            </a:r>
-            <a:r>
-              <a:rPr lang="en-US" altLang="zh-CN" sz="1100">
-                <a:solidFill>
-                  <a:schemeClr val="tx1">
-                    <a:lumMod val="65000"/>
-                    <a:lumOff val="35000"/>
-                  </a:schemeClr>
-                </a:solidFill>
-                <a:latin typeface="+mn-ea"/>
-              </a:rPr>
-              <a:t>, </a:t>
-            </a:r>
-            <a:r>
-              <a:rPr lang="en-US" altLang="zh-CN" sz="1100" err="1">
-                <a:solidFill>
-                  <a:schemeClr val="tx1">
-                    <a:lumMod val="65000"/>
-                    <a:lumOff val="35000"/>
-                  </a:schemeClr>
-                </a:solidFill>
-                <a:latin typeface="+mn-ea"/>
-              </a:rPr>
-              <a:t>Sed</a:t>
-            </a:r>
-            <a:r>
-              <a:rPr lang="en-US" altLang="zh-CN" sz="1100">
-                <a:solidFill>
-                  <a:schemeClr val="tx1">
-                    <a:lumMod val="65000"/>
-                    <a:lumOff val="35000"/>
-                  </a:schemeClr>
-                </a:solidFill>
-                <a:latin typeface="+mn-ea"/>
-              </a:rPr>
-              <a:t> Do </a:t>
-            </a:r>
-            <a:r>
-              <a:rPr lang="en-US" altLang="zh-CN" sz="1100" err="1">
-                <a:solidFill>
-                  <a:schemeClr val="tx1">
-                    <a:lumMod val="65000"/>
-                    <a:lumOff val="35000"/>
-                  </a:schemeClr>
-                </a:solidFill>
-                <a:latin typeface="+mn-ea"/>
-              </a:rPr>
-              <a:t>Eiusmod</a:t>
-            </a:r>
-            <a:r>
-              <a:rPr lang="en-US" altLang="zh-CN" sz="1100">
-                <a:solidFill>
-                  <a:schemeClr val="tx1">
-                    <a:lumMod val="65000"/>
-                    <a:lumOff val="35000"/>
-                  </a:schemeClr>
-                </a:solidFill>
-                <a:latin typeface="+mn-ea"/>
-              </a:rPr>
-              <a:t> </a:t>
-            </a:r>
-            <a:r>
-              <a:rPr lang="en-US" altLang="zh-CN" sz="1100" err="1">
-                <a:solidFill>
-                  <a:schemeClr val="tx1">
-                    <a:lumMod val="65000"/>
-                    <a:lumOff val="35000"/>
-                  </a:schemeClr>
-                </a:solidFill>
-                <a:latin typeface="+mn-ea"/>
-              </a:rPr>
-              <a:t>Tempor</a:t>
-            </a:r>
-            <a:r>
-              <a:rPr lang="en-US" altLang="zh-CN" sz="1100">
-                <a:solidFill>
-                  <a:schemeClr val="tx1">
-                    <a:lumMod val="65000"/>
-                    <a:lumOff val="35000"/>
-                  </a:schemeClr>
-                </a:solidFill>
-                <a:latin typeface="+mn-ea"/>
-              </a:rPr>
-              <a:t> Incididunt.</a:t>
-            </a:r>
-            <a:endParaRPr lang="zh-CN" altLang="en-US" sz="1100">
-              <a:solidFill>
-                <a:schemeClr val="tx1">
-                  <a:lumMod val="65000"/>
-                  <a:lumOff val="35000"/>
-                </a:schemeClr>
-              </a:solidFill>
-              <a:latin typeface="+mn-ea"/>
-            </a:endParaRPr>
-          </a:p>
-        </p:txBody>
-      </p:sp>
-      <p:sp>
-        <p:nvSpPr>
-          <p:cNvPr id="59" name="矩形 58"/>
-          <p:cNvSpPr/>
-          <p:nvPr/>
-        </p:nvSpPr>
-        <p:spPr>
-          <a:xfrm>
-            <a:off x="431542" y="2751770"/>
-            <a:ext cx="2340257" cy="307296"/>
-          </a:xfrm>
-          <a:prstGeom prst="rect">
-            <a:avLst/>
-          </a:prstGeom>
-          <a:solidFill>
-            <a:srgbClr val="FF0000"/>
-          </a:solidFill>
-          <a:ln>
-            <a:noFill/>
-          </a:ln>
-        </p:spPr>
-        <p:style>
-          <a:lnRef idx="2">
-            <a:schemeClr val="accent1">
-              <a:shade val="50000"/>
-            </a:schemeClr>
-          </a:lnRef>
-          <a:fillRef idx="1">
-            <a:schemeClr val="accent1"/>
-          </a:fillRef>
-          <a:effectRef idx="0">
-            <a:schemeClr val="accent1"/>
-          </a:effectRef>
-          <a:fontRef idx="minor">
-            <a:schemeClr val="lt1"/>
-          </a:fontRef>
-        </p:style>
-        <p:txBody>
-          <a:bodyPr rtlCol="0" anchor="ctr"/>
-          <a:lstStyle/>
-          <a:p>
-            <a:r>
-              <a:rPr lang="en-US" altLang="zh-CN" sz="1400" b="1">
-                <a:solidFill>
-                  <a:schemeClr val="bg1"/>
-                </a:solidFill>
-              </a:rPr>
-              <a:t>Lorem Ipsum Dolor Sit</a:t>
-            </a:r>
-            <a:endParaRPr lang="en-US" altLang="zh-CN" sz="1400" b="1" dirty="0">
-              <a:solidFill>
-                <a:schemeClr val="bg1"/>
-              </a:solidFill>
-              <a:latin typeface="+mj-ea"/>
-            </a:endParaRPr>
-          </a:p>
-        </p:txBody>
-      </p:sp>
-      <p:sp>
-        <p:nvSpPr>
-          <p:cNvPr id="60" name="矩形 59"/>
-          <p:cNvSpPr/>
-          <p:nvPr/>
-        </p:nvSpPr>
-        <p:spPr>
-          <a:xfrm>
-            <a:off x="431541" y="3109893"/>
-            <a:ext cx="2340259" cy="1107996"/>
-          </a:xfrm>
-          <a:prstGeom prst="rect">
-            <a:avLst/>
-          </a:prstGeom>
-        </p:spPr>
-        <p:txBody>
-          <a:bodyPr wrap="square">
-            <a:spAutoFit/>
-          </a:bodyPr>
-          <a:lstStyle/>
-          <a:p>
-            <a:pPr>
-              <a:lnSpc>
-                <a:spcPct val="150000"/>
-              </a:lnSpc>
-            </a:pPr>
-            <a:r>
-              <a:rPr lang="en-US" altLang="zh-CN" sz="1100" err="1">
-                <a:solidFill>
-                  <a:schemeClr val="tx1">
-                    <a:lumMod val="65000"/>
-                    <a:lumOff val="35000"/>
-                  </a:schemeClr>
-                </a:solidFill>
-                <a:latin typeface="+mn-ea"/>
-              </a:rPr>
-              <a:t>Lorem</a:t>
-            </a:r>
-            <a:r>
-              <a:rPr lang="en-US" altLang="zh-CN" sz="1100">
-                <a:solidFill>
-                  <a:schemeClr val="tx1">
-                    <a:lumMod val="65000"/>
-                    <a:lumOff val="35000"/>
-                  </a:schemeClr>
-                </a:solidFill>
-                <a:latin typeface="+mn-ea"/>
-              </a:rPr>
-              <a:t> </a:t>
-            </a:r>
-            <a:r>
-              <a:rPr lang="en-US" altLang="zh-CN" sz="1100" err="1">
-                <a:solidFill>
-                  <a:schemeClr val="tx1">
-                    <a:lumMod val="65000"/>
-                    <a:lumOff val="35000"/>
-                  </a:schemeClr>
-                </a:solidFill>
-                <a:latin typeface="+mn-ea"/>
-              </a:rPr>
-              <a:t>Ipsum</a:t>
-            </a:r>
-            <a:r>
-              <a:rPr lang="en-US" altLang="zh-CN" sz="1100">
-                <a:solidFill>
-                  <a:schemeClr val="tx1">
-                    <a:lumMod val="65000"/>
-                    <a:lumOff val="35000"/>
-                  </a:schemeClr>
-                </a:solidFill>
-                <a:latin typeface="+mn-ea"/>
-              </a:rPr>
-              <a:t> Dolor Sit </a:t>
-            </a:r>
-            <a:r>
-              <a:rPr lang="en-US" altLang="zh-CN" sz="1100" err="1">
-                <a:solidFill>
-                  <a:schemeClr val="tx1">
-                    <a:lumMod val="65000"/>
-                    <a:lumOff val="35000"/>
-                  </a:schemeClr>
-                </a:solidFill>
-                <a:latin typeface="+mn-ea"/>
-              </a:rPr>
-              <a:t>Er</a:t>
-            </a:r>
-            <a:r>
-              <a:rPr lang="en-US" altLang="zh-CN" sz="1100">
-                <a:solidFill>
-                  <a:schemeClr val="tx1">
-                    <a:lumMod val="65000"/>
-                    <a:lumOff val="35000"/>
-                  </a:schemeClr>
-                </a:solidFill>
-                <a:latin typeface="+mn-ea"/>
-              </a:rPr>
-              <a:t> </a:t>
-            </a:r>
-            <a:r>
-              <a:rPr lang="en-US" altLang="zh-CN" sz="1100" err="1">
-                <a:solidFill>
-                  <a:schemeClr val="tx1">
-                    <a:lumMod val="65000"/>
-                    <a:lumOff val="35000"/>
-                  </a:schemeClr>
-                </a:solidFill>
-                <a:latin typeface="+mn-ea"/>
-              </a:rPr>
-              <a:t>Elit</a:t>
-            </a:r>
-            <a:r>
-              <a:rPr lang="en-US" altLang="zh-CN" sz="1100">
-                <a:solidFill>
-                  <a:schemeClr val="tx1">
-                    <a:lumMod val="65000"/>
-                    <a:lumOff val="35000"/>
-                  </a:schemeClr>
-                </a:solidFill>
-                <a:latin typeface="+mn-ea"/>
-              </a:rPr>
-              <a:t> </a:t>
-            </a:r>
-            <a:r>
-              <a:rPr lang="en-US" altLang="zh-CN" sz="1100" err="1">
-                <a:solidFill>
-                  <a:schemeClr val="tx1">
-                    <a:lumMod val="65000"/>
-                    <a:lumOff val="35000"/>
-                  </a:schemeClr>
-                </a:solidFill>
-                <a:latin typeface="+mn-ea"/>
-              </a:rPr>
-              <a:t>Lamet</a:t>
-            </a:r>
-            <a:r>
-              <a:rPr lang="en-US" altLang="zh-CN" sz="1100">
-                <a:solidFill>
-                  <a:schemeClr val="tx1">
-                    <a:lumMod val="65000"/>
-                    <a:lumOff val="35000"/>
-                  </a:schemeClr>
-                </a:solidFill>
-                <a:latin typeface="+mn-ea"/>
-              </a:rPr>
-              <a:t>, </a:t>
-            </a:r>
-            <a:r>
-              <a:rPr lang="en-US" altLang="zh-CN" sz="1100" err="1">
-                <a:solidFill>
-                  <a:schemeClr val="tx1">
-                    <a:lumMod val="65000"/>
-                    <a:lumOff val="35000"/>
-                  </a:schemeClr>
-                </a:solidFill>
-                <a:latin typeface="+mn-ea"/>
-              </a:rPr>
-              <a:t>Consectetaur</a:t>
-            </a:r>
-            <a:r>
-              <a:rPr lang="en-US" altLang="zh-CN" sz="1100">
-                <a:solidFill>
-                  <a:schemeClr val="tx1">
-                    <a:lumMod val="65000"/>
-                    <a:lumOff val="35000"/>
-                  </a:schemeClr>
-                </a:solidFill>
-                <a:latin typeface="+mn-ea"/>
-              </a:rPr>
-              <a:t> </a:t>
-            </a:r>
-            <a:r>
-              <a:rPr lang="en-US" altLang="zh-CN" sz="1100" err="1">
-                <a:solidFill>
-                  <a:schemeClr val="tx1">
-                    <a:lumMod val="65000"/>
-                    <a:lumOff val="35000"/>
-                  </a:schemeClr>
-                </a:solidFill>
-                <a:latin typeface="+mn-ea"/>
-              </a:rPr>
-              <a:t>Cillium</a:t>
-            </a:r>
-            <a:r>
-              <a:rPr lang="en-US" altLang="zh-CN" sz="1100">
-                <a:solidFill>
-                  <a:schemeClr val="tx1">
-                    <a:lumMod val="65000"/>
-                    <a:lumOff val="35000"/>
-                  </a:schemeClr>
-                </a:solidFill>
-                <a:latin typeface="+mn-ea"/>
-              </a:rPr>
-              <a:t> </a:t>
-            </a:r>
-            <a:r>
-              <a:rPr lang="en-US" altLang="zh-CN" sz="1100" err="1">
-                <a:solidFill>
-                  <a:schemeClr val="tx1">
-                    <a:lumMod val="65000"/>
-                    <a:lumOff val="35000"/>
-                  </a:schemeClr>
-                </a:solidFill>
-                <a:latin typeface="+mn-ea"/>
-              </a:rPr>
-              <a:t>Adipisicing</a:t>
-            </a:r>
-            <a:r>
-              <a:rPr lang="en-US" altLang="zh-CN" sz="1100">
-                <a:solidFill>
-                  <a:schemeClr val="tx1">
-                    <a:lumMod val="65000"/>
-                    <a:lumOff val="35000"/>
-                  </a:schemeClr>
-                </a:solidFill>
-                <a:latin typeface="+mn-ea"/>
-              </a:rPr>
-              <a:t> </a:t>
-            </a:r>
-            <a:r>
-              <a:rPr lang="en-US" altLang="zh-CN" sz="1100" err="1">
-                <a:solidFill>
-                  <a:schemeClr val="tx1">
-                    <a:lumMod val="65000"/>
-                    <a:lumOff val="35000"/>
-                  </a:schemeClr>
-                </a:solidFill>
-                <a:latin typeface="+mn-ea"/>
-              </a:rPr>
-              <a:t>Pecu</a:t>
-            </a:r>
-            <a:r>
-              <a:rPr lang="en-US" altLang="zh-CN" sz="1100">
-                <a:solidFill>
-                  <a:schemeClr val="tx1">
-                    <a:lumMod val="65000"/>
-                    <a:lumOff val="35000"/>
-                  </a:schemeClr>
-                </a:solidFill>
-                <a:latin typeface="+mn-ea"/>
-              </a:rPr>
-              <a:t>, </a:t>
-            </a:r>
-            <a:r>
-              <a:rPr lang="en-US" altLang="zh-CN" sz="1100" err="1">
-                <a:solidFill>
-                  <a:schemeClr val="tx1">
-                    <a:lumMod val="65000"/>
-                    <a:lumOff val="35000"/>
-                  </a:schemeClr>
-                </a:solidFill>
-                <a:latin typeface="+mn-ea"/>
-              </a:rPr>
-              <a:t>Sed</a:t>
-            </a:r>
-            <a:r>
-              <a:rPr lang="en-US" altLang="zh-CN" sz="1100">
-                <a:solidFill>
-                  <a:schemeClr val="tx1">
-                    <a:lumMod val="65000"/>
-                    <a:lumOff val="35000"/>
-                  </a:schemeClr>
-                </a:solidFill>
-                <a:latin typeface="+mn-ea"/>
-              </a:rPr>
-              <a:t> Do </a:t>
-            </a:r>
-            <a:r>
-              <a:rPr lang="en-US" altLang="zh-CN" sz="1100" err="1">
-                <a:solidFill>
-                  <a:schemeClr val="tx1">
-                    <a:lumMod val="65000"/>
-                    <a:lumOff val="35000"/>
-                  </a:schemeClr>
-                </a:solidFill>
-                <a:latin typeface="+mn-ea"/>
-              </a:rPr>
-              <a:t>Eiusmod</a:t>
-            </a:r>
-            <a:r>
-              <a:rPr lang="en-US" altLang="zh-CN" sz="1100">
-                <a:solidFill>
-                  <a:schemeClr val="tx1">
-                    <a:lumMod val="65000"/>
-                    <a:lumOff val="35000"/>
-                  </a:schemeClr>
-                </a:solidFill>
-                <a:latin typeface="+mn-ea"/>
-              </a:rPr>
-              <a:t> </a:t>
-            </a:r>
-            <a:r>
-              <a:rPr lang="en-US" altLang="zh-CN" sz="1100" err="1">
-                <a:solidFill>
-                  <a:schemeClr val="tx1">
-                    <a:lumMod val="65000"/>
-                    <a:lumOff val="35000"/>
-                  </a:schemeClr>
-                </a:solidFill>
-                <a:latin typeface="+mn-ea"/>
-              </a:rPr>
-              <a:t>Tempor</a:t>
-            </a:r>
-            <a:r>
-              <a:rPr lang="en-US" altLang="zh-CN" sz="1100">
-                <a:solidFill>
-                  <a:schemeClr val="tx1">
-                    <a:lumMod val="65000"/>
-                    <a:lumOff val="35000"/>
-                  </a:schemeClr>
-                </a:solidFill>
-                <a:latin typeface="+mn-ea"/>
-              </a:rPr>
-              <a:t> Incididunt.</a:t>
-            </a:r>
-            <a:endParaRPr lang="zh-CN" altLang="en-US" sz="1100">
-              <a:solidFill>
-                <a:schemeClr val="tx1">
-                  <a:lumMod val="65000"/>
-                  <a:lumOff val="35000"/>
-                </a:schemeClr>
-              </a:solidFill>
-              <a:latin typeface="+mn-ea"/>
-            </a:endParaRPr>
-          </a:p>
-        </p:txBody>
-      </p:sp>
-      <p:cxnSp>
-        <p:nvCxnSpPr>
-          <p:cNvPr id="4" name="直接连接符 3"/>
-          <p:cNvCxnSpPr/>
-          <p:nvPr/>
-        </p:nvCxnSpPr>
-        <p:spPr>
-          <a:xfrm>
-            <a:off x="2951820" y="1041580"/>
-            <a:ext cx="0" cy="3060340"/>
-          </a:xfrm>
-          <a:prstGeom prst="line">
-            <a:avLst/>
-          </a:prstGeom>
-          <a:ln>
-            <a:solidFill>
-              <a:schemeClr val="bg1">
-                <a:lumMod val="75000"/>
-              </a:schemeClr>
-            </a:solidFill>
-          </a:ln>
-        </p:spPr>
-        <p:style>
-          <a:lnRef idx="1">
-            <a:schemeClr val="accent1"/>
-          </a:lnRef>
-          <a:fillRef idx="0">
-            <a:schemeClr val="accent1"/>
-          </a:fillRef>
-          <a:effectRef idx="0">
-            <a:schemeClr val="accent1"/>
-          </a:effectRef>
-          <a:fontRef idx="minor">
-            <a:schemeClr val="tx1"/>
-          </a:fontRef>
-        </p:style>
-      </p:cxnSp>
-    </p:spTree>
-    <p:extLst>
-      <p:ext uri="{BB962C8B-B14F-4D97-AF65-F5344CB8AC3E}">
-        <p14:creationId xmlns:p14="http://schemas.microsoft.com/office/powerpoint/2010/main" val="751774726"/>
       </p:ext>
     </p:extLst>
   </p:cSld>
@@ -14292,7 +9289,7 @@
           <a:lstStyle/>
           <a:p>
             <a:r>
-              <a:rPr lang="en-US" altLang="zh-CN" sz="1000">
+              <a:rPr lang="en-US" altLang="zh-CN" sz="1000" dirty="0">
                 <a:solidFill>
                   <a:schemeClr val="tx1">
                     <a:lumMod val="50000"/>
@@ -15516,7 +10513,7 @@
           <a:lstStyle/>
           <a:p>
             <a:r>
-              <a:rPr lang="en-US" altLang="zh-CN" sz="1000">
+              <a:rPr lang="en-US" altLang="zh-CN" sz="1000" dirty="0">
                 <a:solidFill>
                   <a:schemeClr val="tx1">
                     <a:lumMod val="50000"/>
